--- a/Slides/m1-presentation.pptx
+++ b/Slides/m1-presentation.pptx
@@ -11,9 +11,11 @@
     <p:sldId id="259" r:id="rId5"/>
     <p:sldId id="260" r:id="rId6"/>
     <p:sldId id="261" r:id="rId7"/>
-    <p:sldId id="262" r:id="rId8"/>
-    <p:sldId id="263" r:id="rId9"/>
-    <p:sldId id="264" r:id="rId10"/>
+    <p:sldId id="265" r:id="rId8"/>
+    <p:sldId id="266" r:id="rId9"/>
+    <p:sldId id="262" r:id="rId10"/>
+    <p:sldId id="263" r:id="rId11"/>
+    <p:sldId id="264" r:id="rId12"/>
   </p:sldIdLst>
   <p:sldSz cx="12192000" cy="6858000"/>
   <p:notesSz cx="6858000" cy="9144000"/>
@@ -112,6 +114,11 @@
       </a:defRPr>
     </a:lvl9pPr>
   </p:defaultTextStyle>
+  <p:extLst>
+    <p:ext uri="{EFAFB233-063F-42B5-8137-9DF3F51BA10A}">
+      <p15:sldGuideLst xmlns:p15="http://schemas.microsoft.com/office/powerpoint/2012/main"/>
+    </p:ext>
+  </p:extLst>
 </p:presentation>
 </file>
 
@@ -1326,7 +1333,7 @@
           <a:p>
             <a:fld id="{B7BBFB16-D3A4-0A47-9FBF-6CBD8519801F}" type="datetimeFigureOut">
               <a:rPr lang="en-US" smtClean="0"/>
-              <a:t>6/17/25</a:t>
+              <a:t>6/23/25</a:t>
             </a:fld>
             <a:endParaRPr lang="en-US"/>
           </a:p>
@@ -1564,7 +1571,7 @@
           <a:p>
             <a:fld id="{B7BBFB16-D3A4-0A47-9FBF-6CBD8519801F}" type="datetimeFigureOut">
               <a:rPr lang="en-US" smtClean="0"/>
-              <a:t>6/17/25</a:t>
+              <a:t>6/23/25</a:t>
             </a:fld>
             <a:endParaRPr lang="en-US"/>
           </a:p>
@@ -1744,7 +1751,7 @@
           <a:p>
             <a:fld id="{B7BBFB16-D3A4-0A47-9FBF-6CBD8519801F}" type="datetimeFigureOut">
               <a:rPr lang="en-US" smtClean="0"/>
-              <a:t>6/17/25</a:t>
+              <a:t>6/23/25</a:t>
             </a:fld>
             <a:endParaRPr lang="en-US"/>
           </a:p>
@@ -1914,7 +1921,7 @@
           <a:p>
             <a:fld id="{B7BBFB16-D3A4-0A47-9FBF-6CBD8519801F}" type="datetimeFigureOut">
               <a:rPr lang="en-US" smtClean="0"/>
-              <a:t>6/17/25</a:t>
+              <a:t>6/23/25</a:t>
             </a:fld>
             <a:endParaRPr lang="en-US"/>
           </a:p>
@@ -2190,7 +2197,7 @@
           <a:p>
             <a:fld id="{B7BBFB16-D3A4-0A47-9FBF-6CBD8519801F}" type="datetimeFigureOut">
               <a:rPr lang="en-US" smtClean="0"/>
-              <a:t>6/17/25</a:t>
+              <a:t>6/23/25</a:t>
             </a:fld>
             <a:endParaRPr lang="en-US"/>
           </a:p>
@@ -3391,7 +3398,7 @@
           <a:p>
             <a:fld id="{B7BBFB16-D3A4-0A47-9FBF-6CBD8519801F}" type="datetimeFigureOut">
               <a:rPr lang="en-US" smtClean="0"/>
-              <a:t>6/17/25</a:t>
+              <a:t>6/23/25</a:t>
             </a:fld>
             <a:endParaRPr lang="en-US"/>
           </a:p>
@@ -3781,7 +3788,7 @@
           <a:p>
             <a:fld id="{B7BBFB16-D3A4-0A47-9FBF-6CBD8519801F}" type="datetimeFigureOut">
               <a:rPr lang="en-US" smtClean="0"/>
-              <a:t>6/17/25</a:t>
+              <a:t>6/23/25</a:t>
             </a:fld>
             <a:endParaRPr lang="en-US"/>
           </a:p>
@@ -3904,7 +3911,7 @@
           <a:p>
             <a:fld id="{B7BBFB16-D3A4-0A47-9FBF-6CBD8519801F}" type="datetimeFigureOut">
               <a:rPr lang="en-US" smtClean="0"/>
-              <a:t>6/17/25</a:t>
+              <a:t>6/23/25</a:t>
             </a:fld>
             <a:endParaRPr lang="en-US"/>
           </a:p>
@@ -3999,7 +4006,7 @@
           <a:p>
             <a:fld id="{B7BBFB16-D3A4-0A47-9FBF-6CBD8519801F}" type="datetimeFigureOut">
               <a:rPr lang="en-US" smtClean="0"/>
-              <a:t>6/17/25</a:t>
+              <a:t>6/23/25</a:t>
             </a:fld>
             <a:endParaRPr lang="en-US"/>
           </a:p>
@@ -4762,7 +4769,7 @@
           <a:p>
             <a:fld id="{B7BBFB16-D3A4-0A47-9FBF-6CBD8519801F}" type="datetimeFigureOut">
               <a:rPr lang="en-US" smtClean="0"/>
-              <a:t>6/17/25</a:t>
+              <a:t>6/23/25</a:t>
             </a:fld>
             <a:endParaRPr lang="en-US"/>
           </a:p>
@@ -5602,7 +5609,7 @@
           <a:p>
             <a:fld id="{B7BBFB16-D3A4-0A47-9FBF-6CBD8519801F}" type="datetimeFigureOut">
               <a:rPr lang="en-US" smtClean="0"/>
-              <a:t>6/17/25</a:t>
+              <a:t>6/23/25</a:t>
             </a:fld>
             <a:endParaRPr lang="en-US"/>
           </a:p>
@@ -5829,7 +5836,7 @@
           <a:p>
             <a:fld id="{B7BBFB16-D3A4-0A47-9FBF-6CBD8519801F}" type="datetimeFigureOut">
               <a:rPr lang="en-US" smtClean="0"/>
-              <a:t>6/17/25</a:t>
+              <a:t>6/23/25</a:t>
             </a:fld>
             <a:endParaRPr lang="en-US"/>
           </a:p>
@@ -8745,6 +8752,1662 @@
 </p:sld>
 </file>
 
+<file path=ppt/slides/slide10.xml><?xml version="1.0" encoding="utf-8"?>
+<p:sld xmlns:a="http://schemas.openxmlformats.org/drawingml/2006/main" xmlns:r="http://schemas.openxmlformats.org/officeDocument/2006/relationships" xmlns:p="http://schemas.openxmlformats.org/presentationml/2006/main">
+  <p:cSld>
+    <p:bg>
+      <p:bgPr>
+        <a:solidFill>
+          <a:schemeClr val="bg1">
+            <a:tint val="95000"/>
+            <a:satMod val="170000"/>
+          </a:schemeClr>
+        </a:solidFill>
+        <a:effectLst/>
+      </p:bgPr>
+    </p:bg>
+    <p:spTree>
+      <p:nvGrpSpPr>
+        <p:cNvPr id="1" name=""/>
+        <p:cNvGrpSpPr/>
+        <p:nvPr/>
+      </p:nvGrpSpPr>
+      <p:grpSpPr>
+        <a:xfrm>
+          <a:off x="0" y="0"/>
+          <a:ext cx="0" cy="0"/>
+          <a:chOff x="0" y="0"/>
+          <a:chExt cx="0" cy="0"/>
+        </a:xfrm>
+      </p:grpSpPr>
+      <p:sp useBgFill="1">
+        <p:nvSpPr>
+          <p:cNvPr id="8" name="Rectangle 7">
+            <a:extLst>
+              <a:ext uri="{FF2B5EF4-FFF2-40B4-BE49-F238E27FC236}">
+                <a16:creationId xmlns:a16="http://schemas.microsoft.com/office/drawing/2014/main" id="{CFC012A5-170D-4B0F-A916-A8EE2C6CE94A}"/>
+              </a:ext>
+              <a:ext uri="{C183D7F6-B498-43B3-948B-1728B52AA6E4}">
+                <adec:decorative xmlns:adec="http://schemas.microsoft.com/office/drawing/2017/decorative" val="1"/>
+              </a:ext>
+            </a:extLst>
+          </p:cNvPr>
+          <p:cNvSpPr>
+            <a:spLocks noGrp="1" noRot="1" noChangeAspect="1" noMove="1" noResize="1" noEditPoints="1" noAdjustHandles="1" noChangeArrowheads="1" noChangeShapeType="1" noTextEdit="1"/>
+          </p:cNvSpPr>
+          <p:nvPr>
+            <p:extLst>
+              <p:ext uri="{386F3935-93C4-4BCD-93E2-E3B085C9AB24}">
+                <p16:designElem xmlns:p16="http://schemas.microsoft.com/office/powerpoint/2015/main" val="1"/>
+              </p:ext>
+            </p:extLst>
+          </p:nvPr>
+        </p:nvSpPr>
+        <p:spPr>
+          <a:xfrm>
+            <a:off x="0" y="0"/>
+            <a:ext cx="12192000" cy="6858000"/>
+          </a:xfrm>
+          <a:prstGeom prst="rect">
+            <a:avLst/>
+          </a:prstGeom>
+          <a:ln>
+            <a:noFill/>
+          </a:ln>
+        </p:spPr>
+        <p:style>
+          <a:lnRef idx="2">
+            <a:schemeClr val="accent1">
+              <a:shade val="50000"/>
+            </a:schemeClr>
+          </a:lnRef>
+          <a:fillRef idx="1">
+            <a:schemeClr val="accent1"/>
+          </a:fillRef>
+          <a:effectRef idx="0">
+            <a:schemeClr val="accent1"/>
+          </a:effectRef>
+          <a:fontRef idx="minor">
+            <a:schemeClr val="lt1"/>
+          </a:fontRef>
+        </p:style>
+        <p:txBody>
+          <a:bodyPr rtlCol="0" anchor="ctr"/>
+          <a:lstStyle/>
+          <a:p>
+            <a:pPr algn="ctr"/>
+            <a:endParaRPr lang="en-US"/>
+          </a:p>
+        </p:txBody>
+      </p:sp>
+      <p:sp>
+        <p:nvSpPr>
+          <p:cNvPr id="10" name="Rectangle 9">
+            <a:extLst>
+              <a:ext uri="{FF2B5EF4-FFF2-40B4-BE49-F238E27FC236}">
+                <a16:creationId xmlns:a16="http://schemas.microsoft.com/office/drawing/2014/main" id="{37F40654-5E8C-468A-9596-50927AF198AB}"/>
+              </a:ext>
+              <a:ext uri="{C183D7F6-B498-43B3-948B-1728B52AA6E4}">
+                <adec:decorative xmlns:adec="http://schemas.microsoft.com/office/drawing/2017/decorative" val="1"/>
+              </a:ext>
+            </a:extLst>
+          </p:cNvPr>
+          <p:cNvSpPr>
+            <a:spLocks noGrp="1" noRot="1" noChangeAspect="1" noMove="1" noResize="1" noEditPoints="1" noAdjustHandles="1" noChangeArrowheads="1" noChangeShapeType="1" noTextEdit="1"/>
+          </p:cNvSpPr>
+          <p:nvPr>
+            <p:extLst>
+              <p:ext uri="{386F3935-93C4-4BCD-93E2-E3B085C9AB24}">
+                <p16:designElem xmlns:p16="http://schemas.microsoft.com/office/powerpoint/2015/main" val="1"/>
+              </p:ext>
+            </p:extLst>
+          </p:nvPr>
+        </p:nvSpPr>
+        <p:spPr>
+          <a:xfrm>
+            <a:off x="0" y="0"/>
+            <a:ext cx="3345981" cy="6858000"/>
+          </a:xfrm>
+          <a:prstGeom prst="rect">
+            <a:avLst/>
+          </a:prstGeom>
+          <a:solidFill>
+            <a:schemeClr val="accent1"/>
+          </a:solidFill>
+          <a:ln>
+            <a:noFill/>
+          </a:ln>
+        </p:spPr>
+        <p:style>
+          <a:lnRef idx="2">
+            <a:schemeClr val="accent1">
+              <a:shade val="50000"/>
+            </a:schemeClr>
+          </a:lnRef>
+          <a:fillRef idx="1">
+            <a:schemeClr val="accent1"/>
+          </a:fillRef>
+          <a:effectRef idx="0">
+            <a:schemeClr val="accent1"/>
+          </a:effectRef>
+          <a:fontRef idx="minor">
+            <a:schemeClr val="lt1"/>
+          </a:fontRef>
+        </p:style>
+        <p:txBody>
+          <a:bodyPr rtlCol="0" anchor="ctr"/>
+          <a:lstStyle/>
+          <a:p>
+            <a:pPr algn="ctr"/>
+            <a:endParaRPr lang="en-US"/>
+          </a:p>
+        </p:txBody>
+      </p:sp>
+      <p:sp>
+        <p:nvSpPr>
+          <p:cNvPr id="2" name="Title 1">
+            <a:extLst>
+              <a:ext uri="{FF2B5EF4-FFF2-40B4-BE49-F238E27FC236}">
+                <a16:creationId xmlns:a16="http://schemas.microsoft.com/office/drawing/2014/main" id="{35C3E638-6E43-66AB-C48A-69D17AEDC978}"/>
+              </a:ext>
+            </a:extLst>
+          </p:cNvPr>
+          <p:cNvSpPr>
+            <a:spLocks noGrp="1"/>
+          </p:cNvSpPr>
+          <p:nvPr>
+            <p:ph type="title"/>
+          </p:nvPr>
+        </p:nvSpPr>
+        <p:spPr>
+          <a:xfrm>
+            <a:off x="965201" y="1354945"/>
+            <a:ext cx="2059048" cy="4148110"/>
+          </a:xfrm>
+        </p:spPr>
+        <p:txBody>
+          <a:bodyPr anchor="ctr">
+            <a:normAutofit/>
+          </a:bodyPr>
+          <a:lstStyle/>
+          <a:p>
+            <a:r>
+              <a:rPr lang="en-US" sz="2400">
+                <a:solidFill>
+                  <a:srgbClr val="2A1A00"/>
+                </a:solidFill>
+              </a:rPr>
+              <a:t>Reflections</a:t>
+            </a:r>
+          </a:p>
+        </p:txBody>
+      </p:sp>
+      <p:sp>
+        <p:nvSpPr>
+          <p:cNvPr id="12" name="Rectangle 11">
+            <a:extLst>
+              <a:ext uri="{FF2B5EF4-FFF2-40B4-BE49-F238E27FC236}">
+                <a16:creationId xmlns:a16="http://schemas.microsoft.com/office/drawing/2014/main" id="{50B1BD4A-8DE6-4266-9C27-59260F938ED8}"/>
+              </a:ext>
+              <a:ext uri="{C183D7F6-B498-43B3-948B-1728B52AA6E4}">
+                <adec:decorative xmlns:adec="http://schemas.microsoft.com/office/drawing/2017/decorative" val="1"/>
+              </a:ext>
+            </a:extLst>
+          </p:cNvPr>
+          <p:cNvSpPr>
+            <a:spLocks noGrp="1" noRot="1" noChangeAspect="1" noMove="1" noResize="1" noEditPoints="1" noAdjustHandles="1" noChangeArrowheads="1" noChangeShapeType="1" noTextEdit="1"/>
+          </p:cNvSpPr>
+          <p:nvPr>
+            <p:extLst>
+              <p:ext uri="{386F3935-93C4-4BCD-93E2-E3B085C9AB24}">
+                <p16:designElem xmlns:p16="http://schemas.microsoft.com/office/powerpoint/2015/main" val="1"/>
+              </p:ext>
+            </p:extLst>
+          </p:nvPr>
+        </p:nvSpPr>
+        <p:spPr>
+          <a:xfrm>
+            <a:off x="0" y="0"/>
+            <a:ext cx="643467" cy="6858000"/>
+          </a:xfrm>
+          <a:prstGeom prst="rect">
+            <a:avLst/>
+          </a:prstGeom>
+          <a:solidFill>
+            <a:schemeClr val="accent1">
+              <a:lumMod val="75000"/>
+            </a:schemeClr>
+          </a:solidFill>
+          <a:ln>
+            <a:noFill/>
+          </a:ln>
+        </p:spPr>
+        <p:style>
+          <a:lnRef idx="2">
+            <a:schemeClr val="accent1">
+              <a:shade val="50000"/>
+            </a:schemeClr>
+          </a:lnRef>
+          <a:fillRef idx="1003">
+            <a:schemeClr val="lt1"/>
+          </a:fillRef>
+          <a:effectRef idx="0">
+            <a:schemeClr val="accent1"/>
+          </a:effectRef>
+          <a:fontRef idx="minor">
+            <a:schemeClr val="lt1"/>
+          </a:fontRef>
+        </p:style>
+        <p:txBody>
+          <a:bodyPr rtlCol="0" anchor="ctr"/>
+          <a:lstStyle/>
+          <a:p>
+            <a:pPr algn="ctr"/>
+            <a:endParaRPr lang="en-US">
+              <a:solidFill>
+                <a:schemeClr val="accent2"/>
+              </a:solidFill>
+            </a:endParaRPr>
+          </a:p>
+        </p:txBody>
+      </p:sp>
+      <p:sp>
+        <p:nvSpPr>
+          <p:cNvPr id="3" name="Content Placeholder 2">
+            <a:extLst>
+              <a:ext uri="{FF2B5EF4-FFF2-40B4-BE49-F238E27FC236}">
+                <a16:creationId xmlns:a16="http://schemas.microsoft.com/office/drawing/2014/main" id="{A1B7327D-DEF2-95DF-FF4C-D7D68BD25173}"/>
+              </a:ext>
+            </a:extLst>
+          </p:cNvPr>
+          <p:cNvSpPr>
+            <a:spLocks noGrp="1"/>
+          </p:cNvSpPr>
+          <p:nvPr>
+            <p:ph idx="1"/>
+          </p:nvPr>
+        </p:nvSpPr>
+        <p:spPr>
+          <a:xfrm>
+            <a:off x="3828580" y="1354945"/>
+            <a:ext cx="7601419" cy="4148110"/>
+          </a:xfrm>
+        </p:spPr>
+        <p:txBody>
+          <a:bodyPr anchor="ctr">
+            <a:normAutofit/>
+          </a:bodyPr>
+          <a:lstStyle/>
+          <a:p>
+            <a:endParaRPr lang="en-US"/>
+          </a:p>
+        </p:txBody>
+      </p:sp>
+    </p:spTree>
+    <p:extLst>
+      <p:ext uri="{BB962C8B-B14F-4D97-AF65-F5344CB8AC3E}">
+        <p14:creationId xmlns:p14="http://schemas.microsoft.com/office/powerpoint/2010/main" val="303883649"/>
+      </p:ext>
+    </p:extLst>
+  </p:cSld>
+  <p:clrMapOvr>
+    <a:overrideClrMapping bg1="dk1" tx1="lt1" bg2="dk2" tx2="lt2" accent1="accent1" accent2="accent2" accent3="accent3" accent4="accent4" accent5="accent5" accent6="accent6" hlink="hlink" folHlink="folHlink"/>
+  </p:clrMapOvr>
+</p:sld>
+</file>
+
+<file path=ppt/slides/slide11.xml><?xml version="1.0" encoding="utf-8"?>
+<p:sld xmlns:a="http://schemas.openxmlformats.org/drawingml/2006/main" xmlns:r="http://schemas.openxmlformats.org/officeDocument/2006/relationships" xmlns:p="http://schemas.openxmlformats.org/presentationml/2006/main">
+  <p:cSld>
+    <p:bg>
+      <p:bgPr>
+        <a:solidFill>
+          <a:schemeClr val="bg2"/>
+        </a:solidFill>
+        <a:effectLst/>
+      </p:bgPr>
+    </p:bg>
+    <p:spTree>
+      <p:nvGrpSpPr>
+        <p:cNvPr id="1" name=""/>
+        <p:cNvGrpSpPr/>
+        <p:nvPr/>
+      </p:nvGrpSpPr>
+      <p:grpSpPr>
+        <a:xfrm>
+          <a:off x="0" y="0"/>
+          <a:ext cx="0" cy="0"/>
+          <a:chOff x="0" y="0"/>
+          <a:chExt cx="0" cy="0"/>
+        </a:xfrm>
+      </p:grpSpPr>
+      <p:sp>
+        <p:nvSpPr>
+          <p:cNvPr id="10" name="Rectangle 9">
+            <a:extLst>
+              <a:ext uri="{FF2B5EF4-FFF2-40B4-BE49-F238E27FC236}">
+                <a16:creationId xmlns:a16="http://schemas.microsoft.com/office/drawing/2014/main" id="{93B3D315-2706-4149-873C-331EDFAFEF5A}"/>
+              </a:ext>
+              <a:ext uri="{C183D7F6-B498-43B3-948B-1728B52AA6E4}">
+                <adec:decorative xmlns:adec="http://schemas.microsoft.com/office/drawing/2017/decorative" val="1"/>
+              </a:ext>
+            </a:extLst>
+          </p:cNvPr>
+          <p:cNvSpPr>
+            <a:spLocks noGrp="1" noRot="1" noChangeAspect="1" noMove="1" noResize="1" noEditPoints="1" noAdjustHandles="1" noChangeArrowheads="1" noChangeShapeType="1" noTextEdit="1"/>
+          </p:cNvSpPr>
+          <p:nvPr>
+            <p:extLst>
+              <p:ext uri="{386F3935-93C4-4BCD-93E2-E3B085C9AB24}">
+                <p16:designElem xmlns:p16="http://schemas.microsoft.com/office/powerpoint/2015/main" val="1"/>
+              </p:ext>
+            </p:extLst>
+          </p:nvPr>
+        </p:nvSpPr>
+        <p:spPr bwMode="ltGray">
+          <a:xfrm>
+            <a:off x="0" y="0"/>
+            <a:ext cx="12192001" cy="6858000"/>
+          </a:xfrm>
+          <a:prstGeom prst="rect">
+            <a:avLst/>
+          </a:prstGeom>
+          <a:solidFill>
+            <a:schemeClr val="accent1"/>
+          </a:solidFill>
+          <a:ln>
+            <a:noFill/>
+          </a:ln>
+        </p:spPr>
+        <p:style>
+          <a:lnRef idx="2">
+            <a:schemeClr val="accent1">
+              <a:shade val="50000"/>
+            </a:schemeClr>
+          </a:lnRef>
+          <a:fillRef idx="1">
+            <a:schemeClr val="accent1"/>
+          </a:fillRef>
+          <a:effectRef idx="0">
+            <a:schemeClr val="accent1"/>
+          </a:effectRef>
+          <a:fontRef idx="minor">
+            <a:schemeClr val="lt1"/>
+          </a:fontRef>
+        </p:style>
+        <p:txBody>
+          <a:bodyPr rtlCol="0" anchor="ctr"/>
+          <a:lstStyle/>
+          <a:p>
+            <a:pPr algn="ctr"/>
+            <a:endParaRPr lang="en-US"/>
+          </a:p>
+        </p:txBody>
+      </p:sp>
+      <p:sp>
+        <p:nvSpPr>
+          <p:cNvPr id="2" name="Title 1">
+            <a:extLst>
+              <a:ext uri="{FF2B5EF4-FFF2-40B4-BE49-F238E27FC236}">
+                <a16:creationId xmlns:a16="http://schemas.microsoft.com/office/drawing/2014/main" id="{4698B96A-BE58-F1A3-3852-56458A26BCC8}"/>
+              </a:ext>
+            </a:extLst>
+          </p:cNvPr>
+          <p:cNvSpPr>
+            <a:spLocks noGrp="1"/>
+          </p:cNvSpPr>
+          <p:nvPr>
+            <p:ph type="title"/>
+          </p:nvPr>
+        </p:nvSpPr>
+        <p:spPr>
+          <a:xfrm>
+            <a:off x="1251678" y="949642"/>
+            <a:ext cx="4882422" cy="1492132"/>
+          </a:xfrm>
+        </p:spPr>
+        <p:txBody>
+          <a:bodyPr>
+            <a:normAutofit/>
+          </a:bodyPr>
+          <a:lstStyle/>
+          <a:p>
+            <a:r>
+              <a:rPr lang="en-US" sz="7200" dirty="0"/>
+              <a:t>Thank you</a:t>
+            </a:r>
+          </a:p>
+        </p:txBody>
+      </p:sp>
+      <p:sp>
+        <p:nvSpPr>
+          <p:cNvPr id="12" name="Rectangle 11">
+            <a:extLst>
+              <a:ext uri="{FF2B5EF4-FFF2-40B4-BE49-F238E27FC236}">
+                <a16:creationId xmlns:a16="http://schemas.microsoft.com/office/drawing/2014/main" id="{8D04E398-086D-467C-B390-9F9079FA7ABA}"/>
+              </a:ext>
+              <a:ext uri="{C183D7F6-B498-43B3-948B-1728B52AA6E4}">
+                <adec:decorative xmlns:adec="http://schemas.microsoft.com/office/drawing/2017/decorative" val="1"/>
+              </a:ext>
+            </a:extLst>
+          </p:cNvPr>
+          <p:cNvSpPr>
+            <a:spLocks noGrp="1" noRot="1" noChangeAspect="1" noMove="1" noResize="1" noEditPoints="1" noAdjustHandles="1" noChangeArrowheads="1" noChangeShapeType="1" noTextEdit="1"/>
+          </p:cNvSpPr>
+          <p:nvPr>
+            <p:extLst>
+              <p:ext uri="{386F3935-93C4-4BCD-93E2-E3B085C9AB24}">
+                <p16:designElem xmlns:p16="http://schemas.microsoft.com/office/powerpoint/2015/main" val="1"/>
+              </p:ext>
+            </p:extLst>
+          </p:nvPr>
+        </p:nvSpPr>
+        <p:spPr>
+          <a:xfrm>
+            <a:off x="0" y="0"/>
+            <a:ext cx="283464" cy="6858000"/>
+          </a:xfrm>
+          <a:prstGeom prst="rect">
+            <a:avLst/>
+          </a:prstGeom>
+          <a:solidFill>
+            <a:schemeClr val="tx2"/>
+          </a:solidFill>
+          <a:ln>
+            <a:noFill/>
+          </a:ln>
+        </p:spPr>
+        <p:style>
+          <a:lnRef idx="2">
+            <a:schemeClr val="accent1">
+              <a:shade val="50000"/>
+            </a:schemeClr>
+          </a:lnRef>
+          <a:fillRef idx="1">
+            <a:schemeClr val="accent1"/>
+          </a:fillRef>
+          <a:effectRef idx="0">
+            <a:schemeClr val="accent1"/>
+          </a:effectRef>
+          <a:fontRef idx="minor">
+            <a:schemeClr val="lt1"/>
+          </a:fontRef>
+        </p:style>
+        <p:txBody>
+          <a:bodyPr/>
+          <a:lstStyle/>
+          <a:p>
+            <a:endParaRPr lang="en-US"/>
+          </a:p>
+        </p:txBody>
+      </p:sp>
+      <p:sp>
+        <p:nvSpPr>
+          <p:cNvPr id="3" name="Content Placeholder 2">
+            <a:extLst>
+              <a:ext uri="{FF2B5EF4-FFF2-40B4-BE49-F238E27FC236}">
+                <a16:creationId xmlns:a16="http://schemas.microsoft.com/office/drawing/2014/main" id="{70928F65-7DAF-C73F-DAF9-6ED1075A17EF}"/>
+              </a:ext>
+            </a:extLst>
+          </p:cNvPr>
+          <p:cNvSpPr>
+            <a:spLocks noGrp="1"/>
+          </p:cNvSpPr>
+          <p:nvPr>
+            <p:ph idx="1"/>
+          </p:nvPr>
+        </p:nvSpPr>
+        <p:spPr>
+          <a:xfrm>
+            <a:off x="1853721" y="3046264"/>
+            <a:ext cx="2479494" cy="1492132"/>
+          </a:xfrm>
+        </p:spPr>
+        <p:txBody>
+          <a:bodyPr>
+            <a:normAutofit/>
+          </a:bodyPr>
+          <a:lstStyle/>
+          <a:p>
+            <a:pPr marL="0" indent="0">
+              <a:buNone/>
+            </a:pPr>
+            <a:r>
+              <a:rPr lang="en-US" sz="4000" dirty="0">
+                <a:solidFill>
+                  <a:schemeClr val="tx1">
+                    <a:lumMod val="85000"/>
+                    <a:lumOff val="15000"/>
+                  </a:schemeClr>
+                </a:solidFill>
+              </a:rPr>
+              <a:t>Questions?</a:t>
+            </a:r>
+          </a:p>
+        </p:txBody>
+      </p:sp>
+      <p:sp>
+        <p:nvSpPr>
+          <p:cNvPr id="14" name="Freeform 6">
+            <a:extLst>
+              <a:ext uri="{FF2B5EF4-FFF2-40B4-BE49-F238E27FC236}">
+                <a16:creationId xmlns:a16="http://schemas.microsoft.com/office/drawing/2014/main" id="{20E344BB-E23E-4198-B2C7-8E752C6A956A}"/>
+              </a:ext>
+              <a:ext uri="{C183D7F6-B498-43B3-948B-1728B52AA6E4}">
+                <adec:decorative xmlns:adec="http://schemas.microsoft.com/office/drawing/2017/decorative" val="1"/>
+              </a:ext>
+            </a:extLst>
+          </p:cNvPr>
+          <p:cNvSpPr>
+            <a:spLocks noGrp="1" noRot="1" noChangeAspect="1" noMove="1" noResize="1" noEditPoints="1" noAdjustHandles="1" noChangeArrowheads="1" noChangeShapeType="1" noTextEdit="1"/>
+          </p:cNvSpPr>
+          <p:nvPr>
+            <p:extLst>
+              <p:ext uri="{386F3935-93C4-4BCD-93E2-E3B085C9AB24}">
+                <p16:designElem xmlns:p16="http://schemas.microsoft.com/office/powerpoint/2015/main" val="1"/>
+              </p:ext>
+            </p:extLst>
+          </p:nvPr>
+        </p:nvSpPr>
+        <p:spPr bwMode="auto">
+          <a:xfrm>
+            <a:off x="6390140" y="613446"/>
+            <a:ext cx="5235575" cy="5229225"/>
+          </a:xfrm>
+          <a:custGeom>
+            <a:avLst/>
+            <a:gdLst/>
+            <a:ahLst/>
+            <a:cxnLst/>
+            <a:rect l="0" t="0" r="r" b="b"/>
+            <a:pathLst>
+              <a:path w="3298" h="3294">
+                <a:moveTo>
+                  <a:pt x="1649" y="0"/>
+                </a:moveTo>
+                <a:lnTo>
+                  <a:pt x="1681" y="3"/>
+                </a:lnTo>
+                <a:lnTo>
+                  <a:pt x="1712" y="11"/>
+                </a:lnTo>
+                <a:lnTo>
+                  <a:pt x="1742" y="23"/>
+                </a:lnTo>
+                <a:lnTo>
+                  <a:pt x="1773" y="38"/>
+                </a:lnTo>
+                <a:lnTo>
+                  <a:pt x="1802" y="55"/>
+                </a:lnTo>
+                <a:lnTo>
+                  <a:pt x="1832" y="73"/>
+                </a:lnTo>
+                <a:lnTo>
+                  <a:pt x="1862" y="89"/>
+                </a:lnTo>
+                <a:lnTo>
+                  <a:pt x="1892" y="105"/>
+                </a:lnTo>
+                <a:lnTo>
+                  <a:pt x="1921" y="117"/>
+                </a:lnTo>
+                <a:lnTo>
+                  <a:pt x="1953" y="125"/>
+                </a:lnTo>
+                <a:lnTo>
+                  <a:pt x="1984" y="129"/>
+                </a:lnTo>
+                <a:lnTo>
+                  <a:pt x="2017" y="129"/>
+                </a:lnTo>
+                <a:lnTo>
+                  <a:pt x="2051" y="127"/>
+                </a:lnTo>
+                <a:lnTo>
+                  <a:pt x="2085" y="123"/>
+                </a:lnTo>
+                <a:lnTo>
+                  <a:pt x="2119" y="118"/>
+                </a:lnTo>
+                <a:lnTo>
+                  <a:pt x="2153" y="114"/>
+                </a:lnTo>
+                <a:lnTo>
+                  <a:pt x="2187" y="111"/>
+                </a:lnTo>
+                <a:lnTo>
+                  <a:pt x="2219" y="112"/>
+                </a:lnTo>
+                <a:lnTo>
+                  <a:pt x="2250" y="116"/>
+                </a:lnTo>
+                <a:lnTo>
+                  <a:pt x="2280" y="125"/>
+                </a:lnTo>
+                <a:lnTo>
+                  <a:pt x="2305" y="138"/>
+                </a:lnTo>
+                <a:lnTo>
+                  <a:pt x="2329" y="155"/>
+                </a:lnTo>
+                <a:lnTo>
+                  <a:pt x="2350" y="175"/>
+                </a:lnTo>
+                <a:lnTo>
+                  <a:pt x="2371" y="198"/>
+                </a:lnTo>
+                <a:lnTo>
+                  <a:pt x="2390" y="222"/>
+                </a:lnTo>
+                <a:lnTo>
+                  <a:pt x="2409" y="247"/>
+                </a:lnTo>
+                <a:lnTo>
+                  <a:pt x="2428" y="272"/>
+                </a:lnTo>
+                <a:lnTo>
+                  <a:pt x="2447" y="296"/>
+                </a:lnTo>
+                <a:lnTo>
+                  <a:pt x="2467" y="319"/>
+                </a:lnTo>
+                <a:lnTo>
+                  <a:pt x="2490" y="339"/>
+                </a:lnTo>
+                <a:lnTo>
+                  <a:pt x="2512" y="357"/>
+                </a:lnTo>
+                <a:lnTo>
+                  <a:pt x="2537" y="371"/>
+                </a:lnTo>
+                <a:lnTo>
+                  <a:pt x="2564" y="383"/>
+                </a:lnTo>
+                <a:lnTo>
+                  <a:pt x="2593" y="393"/>
+                </a:lnTo>
+                <a:lnTo>
+                  <a:pt x="2623" y="402"/>
+                </a:lnTo>
+                <a:lnTo>
+                  <a:pt x="2653" y="410"/>
+                </a:lnTo>
+                <a:lnTo>
+                  <a:pt x="2684" y="418"/>
+                </a:lnTo>
+                <a:lnTo>
+                  <a:pt x="2713" y="427"/>
+                </a:lnTo>
+                <a:lnTo>
+                  <a:pt x="2742" y="437"/>
+                </a:lnTo>
+                <a:lnTo>
+                  <a:pt x="2769" y="449"/>
+                </a:lnTo>
+                <a:lnTo>
+                  <a:pt x="2793" y="464"/>
+                </a:lnTo>
+                <a:lnTo>
+                  <a:pt x="2815" y="482"/>
+                </a:lnTo>
+                <a:lnTo>
+                  <a:pt x="2833" y="504"/>
+                </a:lnTo>
+                <a:lnTo>
+                  <a:pt x="2848" y="528"/>
+                </a:lnTo>
+                <a:lnTo>
+                  <a:pt x="2860" y="555"/>
+                </a:lnTo>
+                <a:lnTo>
+                  <a:pt x="2870" y="584"/>
+                </a:lnTo>
+                <a:lnTo>
+                  <a:pt x="2879" y="613"/>
+                </a:lnTo>
+                <a:lnTo>
+                  <a:pt x="2887" y="644"/>
+                </a:lnTo>
+                <a:lnTo>
+                  <a:pt x="2895" y="674"/>
+                </a:lnTo>
+                <a:lnTo>
+                  <a:pt x="2904" y="704"/>
+                </a:lnTo>
+                <a:lnTo>
+                  <a:pt x="2914" y="733"/>
+                </a:lnTo>
+                <a:lnTo>
+                  <a:pt x="2926" y="760"/>
+                </a:lnTo>
+                <a:lnTo>
+                  <a:pt x="2940" y="785"/>
+                </a:lnTo>
+                <a:lnTo>
+                  <a:pt x="2958" y="807"/>
+                </a:lnTo>
+                <a:lnTo>
+                  <a:pt x="2978" y="830"/>
+                </a:lnTo>
+                <a:lnTo>
+                  <a:pt x="3001" y="850"/>
+                </a:lnTo>
+                <a:lnTo>
+                  <a:pt x="3025" y="869"/>
+                </a:lnTo>
+                <a:lnTo>
+                  <a:pt x="3051" y="888"/>
+                </a:lnTo>
+                <a:lnTo>
+                  <a:pt x="3076" y="907"/>
+                </a:lnTo>
+                <a:lnTo>
+                  <a:pt x="3100" y="926"/>
+                </a:lnTo>
+                <a:lnTo>
+                  <a:pt x="3123" y="947"/>
+                </a:lnTo>
+                <a:lnTo>
+                  <a:pt x="3143" y="968"/>
+                </a:lnTo>
+                <a:lnTo>
+                  <a:pt x="3160" y="992"/>
+                </a:lnTo>
+                <a:lnTo>
+                  <a:pt x="3173" y="1017"/>
+                </a:lnTo>
+                <a:lnTo>
+                  <a:pt x="3182" y="1047"/>
+                </a:lnTo>
+                <a:lnTo>
+                  <a:pt x="3186" y="1078"/>
+                </a:lnTo>
+                <a:lnTo>
+                  <a:pt x="3187" y="1110"/>
+                </a:lnTo>
+                <a:lnTo>
+                  <a:pt x="3184" y="1144"/>
+                </a:lnTo>
+                <a:lnTo>
+                  <a:pt x="3180" y="1178"/>
+                </a:lnTo>
+                <a:lnTo>
+                  <a:pt x="3175" y="1212"/>
+                </a:lnTo>
+                <a:lnTo>
+                  <a:pt x="3171" y="1246"/>
+                </a:lnTo>
+                <a:lnTo>
+                  <a:pt x="3169" y="1280"/>
+                </a:lnTo>
+                <a:lnTo>
+                  <a:pt x="3169" y="1313"/>
+                </a:lnTo>
+                <a:lnTo>
+                  <a:pt x="3173" y="1344"/>
+                </a:lnTo>
+                <a:lnTo>
+                  <a:pt x="3181" y="1375"/>
+                </a:lnTo>
+                <a:lnTo>
+                  <a:pt x="3193" y="1404"/>
+                </a:lnTo>
+                <a:lnTo>
+                  <a:pt x="3209" y="1434"/>
+                </a:lnTo>
+                <a:lnTo>
+                  <a:pt x="3225" y="1464"/>
+                </a:lnTo>
+                <a:lnTo>
+                  <a:pt x="3243" y="1494"/>
+                </a:lnTo>
+                <a:lnTo>
+                  <a:pt x="3260" y="1523"/>
+                </a:lnTo>
+                <a:lnTo>
+                  <a:pt x="3275" y="1554"/>
+                </a:lnTo>
+                <a:lnTo>
+                  <a:pt x="3287" y="1584"/>
+                </a:lnTo>
+                <a:lnTo>
+                  <a:pt x="3295" y="1615"/>
+                </a:lnTo>
+                <a:lnTo>
+                  <a:pt x="3298" y="1647"/>
+                </a:lnTo>
+                <a:lnTo>
+                  <a:pt x="3295" y="1679"/>
+                </a:lnTo>
+                <a:lnTo>
+                  <a:pt x="3287" y="1710"/>
+                </a:lnTo>
+                <a:lnTo>
+                  <a:pt x="3275" y="1740"/>
+                </a:lnTo>
+                <a:lnTo>
+                  <a:pt x="3260" y="1771"/>
+                </a:lnTo>
+                <a:lnTo>
+                  <a:pt x="3243" y="1800"/>
+                </a:lnTo>
+                <a:lnTo>
+                  <a:pt x="3225" y="1830"/>
+                </a:lnTo>
+                <a:lnTo>
+                  <a:pt x="3209" y="1860"/>
+                </a:lnTo>
+                <a:lnTo>
+                  <a:pt x="3193" y="1890"/>
+                </a:lnTo>
+                <a:lnTo>
+                  <a:pt x="3181" y="1919"/>
+                </a:lnTo>
+                <a:lnTo>
+                  <a:pt x="3173" y="1950"/>
+                </a:lnTo>
+                <a:lnTo>
+                  <a:pt x="3169" y="1981"/>
+                </a:lnTo>
+                <a:lnTo>
+                  <a:pt x="3169" y="2014"/>
+                </a:lnTo>
+                <a:lnTo>
+                  <a:pt x="3171" y="2048"/>
+                </a:lnTo>
+                <a:lnTo>
+                  <a:pt x="3175" y="2082"/>
+                </a:lnTo>
+                <a:lnTo>
+                  <a:pt x="3180" y="2116"/>
+                </a:lnTo>
+                <a:lnTo>
+                  <a:pt x="3184" y="2150"/>
+                </a:lnTo>
+                <a:lnTo>
+                  <a:pt x="3187" y="2184"/>
+                </a:lnTo>
+                <a:lnTo>
+                  <a:pt x="3186" y="2216"/>
+                </a:lnTo>
+                <a:lnTo>
+                  <a:pt x="3182" y="2247"/>
+                </a:lnTo>
+                <a:lnTo>
+                  <a:pt x="3173" y="2277"/>
+                </a:lnTo>
+                <a:lnTo>
+                  <a:pt x="3160" y="2302"/>
+                </a:lnTo>
+                <a:lnTo>
+                  <a:pt x="3143" y="2326"/>
+                </a:lnTo>
+                <a:lnTo>
+                  <a:pt x="3123" y="2347"/>
+                </a:lnTo>
+                <a:lnTo>
+                  <a:pt x="3100" y="2368"/>
+                </a:lnTo>
+                <a:lnTo>
+                  <a:pt x="3076" y="2387"/>
+                </a:lnTo>
+                <a:lnTo>
+                  <a:pt x="3051" y="2406"/>
+                </a:lnTo>
+                <a:lnTo>
+                  <a:pt x="3025" y="2425"/>
+                </a:lnTo>
+                <a:lnTo>
+                  <a:pt x="3001" y="2444"/>
+                </a:lnTo>
+                <a:lnTo>
+                  <a:pt x="2978" y="2464"/>
+                </a:lnTo>
+                <a:lnTo>
+                  <a:pt x="2958" y="2487"/>
+                </a:lnTo>
+                <a:lnTo>
+                  <a:pt x="2940" y="2509"/>
+                </a:lnTo>
+                <a:lnTo>
+                  <a:pt x="2926" y="2534"/>
+                </a:lnTo>
+                <a:lnTo>
+                  <a:pt x="2914" y="2561"/>
+                </a:lnTo>
+                <a:lnTo>
+                  <a:pt x="2904" y="2590"/>
+                </a:lnTo>
+                <a:lnTo>
+                  <a:pt x="2895" y="2620"/>
+                </a:lnTo>
+                <a:lnTo>
+                  <a:pt x="2887" y="2650"/>
+                </a:lnTo>
+                <a:lnTo>
+                  <a:pt x="2879" y="2681"/>
+                </a:lnTo>
+                <a:lnTo>
+                  <a:pt x="2870" y="2710"/>
+                </a:lnTo>
+                <a:lnTo>
+                  <a:pt x="2860" y="2739"/>
+                </a:lnTo>
+                <a:lnTo>
+                  <a:pt x="2848" y="2766"/>
+                </a:lnTo>
+                <a:lnTo>
+                  <a:pt x="2833" y="2790"/>
+                </a:lnTo>
+                <a:lnTo>
+                  <a:pt x="2815" y="2812"/>
+                </a:lnTo>
+                <a:lnTo>
+                  <a:pt x="2793" y="2830"/>
+                </a:lnTo>
+                <a:lnTo>
+                  <a:pt x="2769" y="2845"/>
+                </a:lnTo>
+                <a:lnTo>
+                  <a:pt x="2742" y="2857"/>
+                </a:lnTo>
+                <a:lnTo>
+                  <a:pt x="2713" y="2867"/>
+                </a:lnTo>
+                <a:lnTo>
+                  <a:pt x="2684" y="2876"/>
+                </a:lnTo>
+                <a:lnTo>
+                  <a:pt x="2653" y="2884"/>
+                </a:lnTo>
+                <a:lnTo>
+                  <a:pt x="2623" y="2892"/>
+                </a:lnTo>
+                <a:lnTo>
+                  <a:pt x="2593" y="2901"/>
+                </a:lnTo>
+                <a:lnTo>
+                  <a:pt x="2564" y="2911"/>
+                </a:lnTo>
+                <a:lnTo>
+                  <a:pt x="2537" y="2923"/>
+                </a:lnTo>
+                <a:lnTo>
+                  <a:pt x="2512" y="2937"/>
+                </a:lnTo>
+                <a:lnTo>
+                  <a:pt x="2490" y="2955"/>
+                </a:lnTo>
+                <a:lnTo>
+                  <a:pt x="2467" y="2975"/>
+                </a:lnTo>
+                <a:lnTo>
+                  <a:pt x="2447" y="2998"/>
+                </a:lnTo>
+                <a:lnTo>
+                  <a:pt x="2428" y="3022"/>
+                </a:lnTo>
+                <a:lnTo>
+                  <a:pt x="2409" y="3047"/>
+                </a:lnTo>
+                <a:lnTo>
+                  <a:pt x="2390" y="3072"/>
+                </a:lnTo>
+                <a:lnTo>
+                  <a:pt x="2371" y="3096"/>
+                </a:lnTo>
+                <a:lnTo>
+                  <a:pt x="2350" y="3119"/>
+                </a:lnTo>
+                <a:lnTo>
+                  <a:pt x="2329" y="3139"/>
+                </a:lnTo>
+                <a:lnTo>
+                  <a:pt x="2305" y="3156"/>
+                </a:lnTo>
+                <a:lnTo>
+                  <a:pt x="2280" y="3169"/>
+                </a:lnTo>
+                <a:lnTo>
+                  <a:pt x="2250" y="3178"/>
+                </a:lnTo>
+                <a:lnTo>
+                  <a:pt x="2219" y="3182"/>
+                </a:lnTo>
+                <a:lnTo>
+                  <a:pt x="2187" y="3183"/>
+                </a:lnTo>
+                <a:lnTo>
+                  <a:pt x="2153" y="3180"/>
+                </a:lnTo>
+                <a:lnTo>
+                  <a:pt x="2119" y="3176"/>
+                </a:lnTo>
+                <a:lnTo>
+                  <a:pt x="2085" y="3171"/>
+                </a:lnTo>
+                <a:lnTo>
+                  <a:pt x="2051" y="3167"/>
+                </a:lnTo>
+                <a:lnTo>
+                  <a:pt x="2017" y="3165"/>
+                </a:lnTo>
+                <a:lnTo>
+                  <a:pt x="1984" y="3165"/>
+                </a:lnTo>
+                <a:lnTo>
+                  <a:pt x="1953" y="3169"/>
+                </a:lnTo>
+                <a:lnTo>
+                  <a:pt x="1921" y="3177"/>
+                </a:lnTo>
+                <a:lnTo>
+                  <a:pt x="1892" y="3189"/>
+                </a:lnTo>
+                <a:lnTo>
+                  <a:pt x="1862" y="3205"/>
+                </a:lnTo>
+                <a:lnTo>
+                  <a:pt x="1832" y="3221"/>
+                </a:lnTo>
+                <a:lnTo>
+                  <a:pt x="1802" y="3239"/>
+                </a:lnTo>
+                <a:lnTo>
+                  <a:pt x="1773" y="3256"/>
+                </a:lnTo>
+                <a:lnTo>
+                  <a:pt x="1742" y="3271"/>
+                </a:lnTo>
+                <a:lnTo>
+                  <a:pt x="1712" y="3283"/>
+                </a:lnTo>
+                <a:lnTo>
+                  <a:pt x="1681" y="3291"/>
+                </a:lnTo>
+                <a:lnTo>
+                  <a:pt x="1649" y="3294"/>
+                </a:lnTo>
+                <a:lnTo>
+                  <a:pt x="1617" y="3291"/>
+                </a:lnTo>
+                <a:lnTo>
+                  <a:pt x="1586" y="3283"/>
+                </a:lnTo>
+                <a:lnTo>
+                  <a:pt x="1556" y="3271"/>
+                </a:lnTo>
+                <a:lnTo>
+                  <a:pt x="1525" y="3256"/>
+                </a:lnTo>
+                <a:lnTo>
+                  <a:pt x="1496" y="3239"/>
+                </a:lnTo>
+                <a:lnTo>
+                  <a:pt x="1466" y="3221"/>
+                </a:lnTo>
+                <a:lnTo>
+                  <a:pt x="1436" y="3205"/>
+                </a:lnTo>
+                <a:lnTo>
+                  <a:pt x="1406" y="3189"/>
+                </a:lnTo>
+                <a:lnTo>
+                  <a:pt x="1376" y="3177"/>
+                </a:lnTo>
+                <a:lnTo>
+                  <a:pt x="1345" y="3169"/>
+                </a:lnTo>
+                <a:lnTo>
+                  <a:pt x="1314" y="3165"/>
+                </a:lnTo>
+                <a:lnTo>
+                  <a:pt x="1281" y="3165"/>
+                </a:lnTo>
+                <a:lnTo>
+                  <a:pt x="1247" y="3167"/>
+                </a:lnTo>
+                <a:lnTo>
+                  <a:pt x="1213" y="3171"/>
+                </a:lnTo>
+                <a:lnTo>
+                  <a:pt x="1179" y="3176"/>
+                </a:lnTo>
+                <a:lnTo>
+                  <a:pt x="1145" y="3180"/>
+                </a:lnTo>
+                <a:lnTo>
+                  <a:pt x="1111" y="3183"/>
+                </a:lnTo>
+                <a:lnTo>
+                  <a:pt x="1079" y="3182"/>
+                </a:lnTo>
+                <a:lnTo>
+                  <a:pt x="1048" y="3178"/>
+                </a:lnTo>
+                <a:lnTo>
+                  <a:pt x="1018" y="3169"/>
+                </a:lnTo>
+                <a:lnTo>
+                  <a:pt x="993" y="3156"/>
+                </a:lnTo>
+                <a:lnTo>
+                  <a:pt x="969" y="3139"/>
+                </a:lnTo>
+                <a:lnTo>
+                  <a:pt x="948" y="3119"/>
+                </a:lnTo>
+                <a:lnTo>
+                  <a:pt x="927" y="3096"/>
+                </a:lnTo>
+                <a:lnTo>
+                  <a:pt x="908" y="3072"/>
+                </a:lnTo>
+                <a:lnTo>
+                  <a:pt x="889" y="3047"/>
+                </a:lnTo>
+                <a:lnTo>
+                  <a:pt x="870" y="3022"/>
+                </a:lnTo>
+                <a:lnTo>
+                  <a:pt x="851" y="2998"/>
+                </a:lnTo>
+                <a:lnTo>
+                  <a:pt x="831" y="2975"/>
+                </a:lnTo>
+                <a:lnTo>
+                  <a:pt x="808" y="2955"/>
+                </a:lnTo>
+                <a:lnTo>
+                  <a:pt x="786" y="2937"/>
+                </a:lnTo>
+                <a:lnTo>
+                  <a:pt x="761" y="2923"/>
+                </a:lnTo>
+                <a:lnTo>
+                  <a:pt x="734" y="2911"/>
+                </a:lnTo>
+                <a:lnTo>
+                  <a:pt x="705" y="2901"/>
+                </a:lnTo>
+                <a:lnTo>
+                  <a:pt x="675" y="2892"/>
+                </a:lnTo>
+                <a:lnTo>
+                  <a:pt x="645" y="2884"/>
+                </a:lnTo>
+                <a:lnTo>
+                  <a:pt x="614" y="2876"/>
+                </a:lnTo>
+                <a:lnTo>
+                  <a:pt x="585" y="2867"/>
+                </a:lnTo>
+                <a:lnTo>
+                  <a:pt x="556" y="2857"/>
+                </a:lnTo>
+                <a:lnTo>
+                  <a:pt x="529" y="2845"/>
+                </a:lnTo>
+                <a:lnTo>
+                  <a:pt x="505" y="2830"/>
+                </a:lnTo>
+                <a:lnTo>
+                  <a:pt x="483" y="2812"/>
+                </a:lnTo>
+                <a:lnTo>
+                  <a:pt x="465" y="2790"/>
+                </a:lnTo>
+                <a:lnTo>
+                  <a:pt x="450" y="2766"/>
+                </a:lnTo>
+                <a:lnTo>
+                  <a:pt x="438" y="2739"/>
+                </a:lnTo>
+                <a:lnTo>
+                  <a:pt x="428" y="2710"/>
+                </a:lnTo>
+                <a:lnTo>
+                  <a:pt x="419" y="2681"/>
+                </a:lnTo>
+                <a:lnTo>
+                  <a:pt x="411" y="2650"/>
+                </a:lnTo>
+                <a:lnTo>
+                  <a:pt x="403" y="2620"/>
+                </a:lnTo>
+                <a:lnTo>
+                  <a:pt x="394" y="2590"/>
+                </a:lnTo>
+                <a:lnTo>
+                  <a:pt x="384" y="2561"/>
+                </a:lnTo>
+                <a:lnTo>
+                  <a:pt x="372" y="2534"/>
+                </a:lnTo>
+                <a:lnTo>
+                  <a:pt x="358" y="2509"/>
+                </a:lnTo>
+                <a:lnTo>
+                  <a:pt x="340" y="2487"/>
+                </a:lnTo>
+                <a:lnTo>
+                  <a:pt x="320" y="2464"/>
+                </a:lnTo>
+                <a:lnTo>
+                  <a:pt x="297" y="2444"/>
+                </a:lnTo>
+                <a:lnTo>
+                  <a:pt x="272" y="2425"/>
+                </a:lnTo>
+                <a:lnTo>
+                  <a:pt x="247" y="2406"/>
+                </a:lnTo>
+                <a:lnTo>
+                  <a:pt x="222" y="2387"/>
+                </a:lnTo>
+                <a:lnTo>
+                  <a:pt x="198" y="2368"/>
+                </a:lnTo>
+                <a:lnTo>
+                  <a:pt x="175" y="2347"/>
+                </a:lnTo>
+                <a:lnTo>
+                  <a:pt x="155" y="2326"/>
+                </a:lnTo>
+                <a:lnTo>
+                  <a:pt x="138" y="2302"/>
+                </a:lnTo>
+                <a:lnTo>
+                  <a:pt x="125" y="2277"/>
+                </a:lnTo>
+                <a:lnTo>
+                  <a:pt x="116" y="2247"/>
+                </a:lnTo>
+                <a:lnTo>
+                  <a:pt x="112" y="2216"/>
+                </a:lnTo>
+                <a:lnTo>
+                  <a:pt x="111" y="2184"/>
+                </a:lnTo>
+                <a:lnTo>
+                  <a:pt x="114" y="2150"/>
+                </a:lnTo>
+                <a:lnTo>
+                  <a:pt x="118" y="2116"/>
+                </a:lnTo>
+                <a:lnTo>
+                  <a:pt x="123" y="2082"/>
+                </a:lnTo>
+                <a:lnTo>
+                  <a:pt x="127" y="2048"/>
+                </a:lnTo>
+                <a:lnTo>
+                  <a:pt x="129" y="2014"/>
+                </a:lnTo>
+                <a:lnTo>
+                  <a:pt x="129" y="1981"/>
+                </a:lnTo>
+                <a:lnTo>
+                  <a:pt x="125" y="1950"/>
+                </a:lnTo>
+                <a:lnTo>
+                  <a:pt x="117" y="1919"/>
+                </a:lnTo>
+                <a:lnTo>
+                  <a:pt x="105" y="1890"/>
+                </a:lnTo>
+                <a:lnTo>
+                  <a:pt x="90" y="1860"/>
+                </a:lnTo>
+                <a:lnTo>
+                  <a:pt x="73" y="1830"/>
+                </a:lnTo>
+                <a:lnTo>
+                  <a:pt x="55" y="1800"/>
+                </a:lnTo>
+                <a:lnTo>
+                  <a:pt x="38" y="1771"/>
+                </a:lnTo>
+                <a:lnTo>
+                  <a:pt x="23" y="1740"/>
+                </a:lnTo>
+                <a:lnTo>
+                  <a:pt x="11" y="1710"/>
+                </a:lnTo>
+                <a:lnTo>
+                  <a:pt x="3" y="1679"/>
+                </a:lnTo>
+                <a:lnTo>
+                  <a:pt x="0" y="1647"/>
+                </a:lnTo>
+                <a:lnTo>
+                  <a:pt x="3" y="1615"/>
+                </a:lnTo>
+                <a:lnTo>
+                  <a:pt x="11" y="1584"/>
+                </a:lnTo>
+                <a:lnTo>
+                  <a:pt x="23" y="1554"/>
+                </a:lnTo>
+                <a:lnTo>
+                  <a:pt x="38" y="1523"/>
+                </a:lnTo>
+                <a:lnTo>
+                  <a:pt x="55" y="1494"/>
+                </a:lnTo>
+                <a:lnTo>
+                  <a:pt x="73" y="1464"/>
+                </a:lnTo>
+                <a:lnTo>
+                  <a:pt x="90" y="1434"/>
+                </a:lnTo>
+                <a:lnTo>
+                  <a:pt x="105" y="1404"/>
+                </a:lnTo>
+                <a:lnTo>
+                  <a:pt x="117" y="1375"/>
+                </a:lnTo>
+                <a:lnTo>
+                  <a:pt x="125" y="1344"/>
+                </a:lnTo>
+                <a:lnTo>
+                  <a:pt x="129" y="1313"/>
+                </a:lnTo>
+                <a:lnTo>
+                  <a:pt x="129" y="1280"/>
+                </a:lnTo>
+                <a:lnTo>
+                  <a:pt x="127" y="1246"/>
+                </a:lnTo>
+                <a:lnTo>
+                  <a:pt x="123" y="1212"/>
+                </a:lnTo>
+                <a:lnTo>
+                  <a:pt x="118" y="1178"/>
+                </a:lnTo>
+                <a:lnTo>
+                  <a:pt x="114" y="1144"/>
+                </a:lnTo>
+                <a:lnTo>
+                  <a:pt x="111" y="1110"/>
+                </a:lnTo>
+                <a:lnTo>
+                  <a:pt x="112" y="1078"/>
+                </a:lnTo>
+                <a:lnTo>
+                  <a:pt x="116" y="1047"/>
+                </a:lnTo>
+                <a:lnTo>
+                  <a:pt x="125" y="1017"/>
+                </a:lnTo>
+                <a:lnTo>
+                  <a:pt x="138" y="992"/>
+                </a:lnTo>
+                <a:lnTo>
+                  <a:pt x="155" y="968"/>
+                </a:lnTo>
+                <a:lnTo>
+                  <a:pt x="175" y="947"/>
+                </a:lnTo>
+                <a:lnTo>
+                  <a:pt x="198" y="926"/>
+                </a:lnTo>
+                <a:lnTo>
+                  <a:pt x="222" y="907"/>
+                </a:lnTo>
+                <a:lnTo>
+                  <a:pt x="247" y="888"/>
+                </a:lnTo>
+                <a:lnTo>
+                  <a:pt x="272" y="869"/>
+                </a:lnTo>
+                <a:lnTo>
+                  <a:pt x="297" y="850"/>
+                </a:lnTo>
+                <a:lnTo>
+                  <a:pt x="320" y="830"/>
+                </a:lnTo>
+                <a:lnTo>
+                  <a:pt x="340" y="807"/>
+                </a:lnTo>
+                <a:lnTo>
+                  <a:pt x="358" y="785"/>
+                </a:lnTo>
+                <a:lnTo>
+                  <a:pt x="372" y="760"/>
+                </a:lnTo>
+                <a:lnTo>
+                  <a:pt x="384" y="733"/>
+                </a:lnTo>
+                <a:lnTo>
+                  <a:pt x="394" y="704"/>
+                </a:lnTo>
+                <a:lnTo>
+                  <a:pt x="403" y="674"/>
+                </a:lnTo>
+                <a:lnTo>
+                  <a:pt x="411" y="644"/>
+                </a:lnTo>
+                <a:lnTo>
+                  <a:pt x="419" y="613"/>
+                </a:lnTo>
+                <a:lnTo>
+                  <a:pt x="428" y="584"/>
+                </a:lnTo>
+                <a:lnTo>
+                  <a:pt x="438" y="555"/>
+                </a:lnTo>
+                <a:lnTo>
+                  <a:pt x="450" y="528"/>
+                </a:lnTo>
+                <a:lnTo>
+                  <a:pt x="465" y="504"/>
+                </a:lnTo>
+                <a:lnTo>
+                  <a:pt x="483" y="482"/>
+                </a:lnTo>
+                <a:lnTo>
+                  <a:pt x="505" y="464"/>
+                </a:lnTo>
+                <a:lnTo>
+                  <a:pt x="529" y="449"/>
+                </a:lnTo>
+                <a:lnTo>
+                  <a:pt x="556" y="437"/>
+                </a:lnTo>
+                <a:lnTo>
+                  <a:pt x="585" y="427"/>
+                </a:lnTo>
+                <a:lnTo>
+                  <a:pt x="614" y="418"/>
+                </a:lnTo>
+                <a:lnTo>
+                  <a:pt x="645" y="410"/>
+                </a:lnTo>
+                <a:lnTo>
+                  <a:pt x="675" y="402"/>
+                </a:lnTo>
+                <a:lnTo>
+                  <a:pt x="705" y="393"/>
+                </a:lnTo>
+                <a:lnTo>
+                  <a:pt x="734" y="383"/>
+                </a:lnTo>
+                <a:lnTo>
+                  <a:pt x="761" y="371"/>
+                </a:lnTo>
+                <a:lnTo>
+                  <a:pt x="786" y="357"/>
+                </a:lnTo>
+                <a:lnTo>
+                  <a:pt x="808" y="339"/>
+                </a:lnTo>
+                <a:lnTo>
+                  <a:pt x="831" y="319"/>
+                </a:lnTo>
+                <a:lnTo>
+                  <a:pt x="851" y="296"/>
+                </a:lnTo>
+                <a:lnTo>
+                  <a:pt x="870" y="272"/>
+                </a:lnTo>
+                <a:lnTo>
+                  <a:pt x="889" y="247"/>
+                </a:lnTo>
+                <a:lnTo>
+                  <a:pt x="908" y="222"/>
+                </a:lnTo>
+                <a:lnTo>
+                  <a:pt x="927" y="198"/>
+                </a:lnTo>
+                <a:lnTo>
+                  <a:pt x="948" y="175"/>
+                </a:lnTo>
+                <a:lnTo>
+                  <a:pt x="969" y="155"/>
+                </a:lnTo>
+                <a:lnTo>
+                  <a:pt x="993" y="138"/>
+                </a:lnTo>
+                <a:lnTo>
+                  <a:pt x="1018" y="125"/>
+                </a:lnTo>
+                <a:lnTo>
+                  <a:pt x="1048" y="116"/>
+                </a:lnTo>
+                <a:lnTo>
+                  <a:pt x="1079" y="112"/>
+                </a:lnTo>
+                <a:lnTo>
+                  <a:pt x="1111" y="111"/>
+                </a:lnTo>
+                <a:lnTo>
+                  <a:pt x="1145" y="114"/>
+                </a:lnTo>
+                <a:lnTo>
+                  <a:pt x="1179" y="118"/>
+                </a:lnTo>
+                <a:lnTo>
+                  <a:pt x="1213" y="123"/>
+                </a:lnTo>
+                <a:lnTo>
+                  <a:pt x="1247" y="127"/>
+                </a:lnTo>
+                <a:lnTo>
+                  <a:pt x="1281" y="129"/>
+                </a:lnTo>
+                <a:lnTo>
+                  <a:pt x="1314" y="129"/>
+                </a:lnTo>
+                <a:lnTo>
+                  <a:pt x="1345" y="125"/>
+                </a:lnTo>
+                <a:lnTo>
+                  <a:pt x="1376" y="117"/>
+                </a:lnTo>
+                <a:lnTo>
+                  <a:pt x="1406" y="105"/>
+                </a:lnTo>
+                <a:lnTo>
+                  <a:pt x="1436" y="89"/>
+                </a:lnTo>
+                <a:lnTo>
+                  <a:pt x="1466" y="73"/>
+                </a:lnTo>
+                <a:lnTo>
+                  <a:pt x="1496" y="55"/>
+                </a:lnTo>
+                <a:lnTo>
+                  <a:pt x="1525" y="38"/>
+                </a:lnTo>
+                <a:lnTo>
+                  <a:pt x="1556" y="23"/>
+                </a:lnTo>
+                <a:lnTo>
+                  <a:pt x="1586" y="11"/>
+                </a:lnTo>
+                <a:lnTo>
+                  <a:pt x="1617" y="3"/>
+                </a:lnTo>
+                <a:lnTo>
+                  <a:pt x="1649" y="0"/>
+                </a:lnTo>
+                <a:close/>
+              </a:path>
+            </a:pathLst>
+          </a:custGeom>
+          <a:solidFill>
+            <a:schemeClr val="bg2"/>
+          </a:solidFill>
+          <a:ln w="0">
+            <a:noFill/>
+            <a:prstDash val="solid"/>
+            <a:round/>
+            <a:headEnd/>
+            <a:tailEnd/>
+          </a:ln>
+        </p:spPr>
+        <p:txBody>
+          <a:bodyPr/>
+          <a:lstStyle/>
+          <a:p>
+            <a:endParaRPr lang="en-US"/>
+          </a:p>
+        </p:txBody>
+      </p:sp>
+      <p:pic>
+        <p:nvPicPr>
+          <p:cNvPr id="7" name="Graphic 6" descr="Smiling Face with No Fill">
+            <a:extLst>
+              <a:ext uri="{FF2B5EF4-FFF2-40B4-BE49-F238E27FC236}">
+                <a16:creationId xmlns:a16="http://schemas.microsoft.com/office/drawing/2014/main" id="{4A81DFDC-FC54-E891-BF76-84FE670AFDE6}"/>
+              </a:ext>
+            </a:extLst>
+          </p:cNvPr>
+          <p:cNvPicPr>
+            <a:picLocks noChangeAspect="1"/>
+          </p:cNvPicPr>
+          <p:nvPr/>
+        </p:nvPicPr>
+        <p:blipFill>
+          <a:blip r:embed="rId2">
+            <a:extLst>
+              <a:ext uri="{28A0092B-C50C-407E-A947-70E740481C1C}">
+                <a14:useLocalDpi xmlns:a14="http://schemas.microsoft.com/office/drawing/2010/main" val="0"/>
+              </a:ext>
+              <a:ext uri="{96DAC541-7B7A-43D3-8B79-37D633B846F1}">
+                <asvg:svgBlip xmlns:asvg="http://schemas.microsoft.com/office/drawing/2016/SVG/main" r:embed="rId3"/>
+              </a:ext>
+            </a:extLst>
+          </a:blip>
+          <a:stretch>
+            <a:fillRect/>
+          </a:stretch>
+        </p:blipFill>
+        <p:spPr>
+          <a:xfrm>
+            <a:off x="7399261" y="1619392"/>
+            <a:ext cx="3217333" cy="3217333"/>
+          </a:xfrm>
+          <a:prstGeom prst="rect">
+            <a:avLst/>
+          </a:prstGeom>
+        </p:spPr>
+      </p:pic>
+    </p:spTree>
+    <p:extLst>
+      <p:ext uri="{BB962C8B-B14F-4D97-AF65-F5344CB8AC3E}">
+        <p14:creationId xmlns:p14="http://schemas.microsoft.com/office/powerpoint/2010/main" val="217509636"/>
+      </p:ext>
+    </p:extLst>
+  </p:cSld>
+  <p:clrMapOvr>
+    <a:masterClrMapping/>
+  </p:clrMapOvr>
+</p:sld>
+</file>
+
 <file path=ppt/slides/slide2.xml><?xml version="1.0" encoding="utf-8"?>
 <p:sld xmlns:a="http://schemas.openxmlformats.org/drawingml/2006/main" xmlns:r="http://schemas.openxmlformats.org/officeDocument/2006/relationships" xmlns:p="http://schemas.openxmlformats.org/presentationml/2006/main">
   <p:cSld>
@@ -10369,8 +12032,13 @@
         <p:spPr>
           <a:xfrm>
             <a:off x="1251678" y="1965435"/>
-            <a:ext cx="4402888" cy="3914158"/>
+            <a:ext cx="4402888" cy="2459608"/>
           </a:xfrm>
+          <a:ln w="19050">
+            <a:solidFill>
+              <a:srgbClr val="0070C0"/>
+            </a:solidFill>
+          </a:ln>
         </p:spPr>
         <p:txBody>
           <a:bodyPr>
@@ -10378,9 +12046,24 @@
           </a:bodyPr>
           <a:lstStyle/>
           <a:p>
+            <a:pPr algn="r"/>
             <a:r>
               <a:rPr lang="en-US" dirty="0"/>
-              <a:t>Text 1</a:t>
+              <a:t>Converted all ERROR and UNKNOWN to blanks.</a:t>
+            </a:r>
+          </a:p>
+          <a:p>
+            <a:pPr algn="r"/>
+            <a:r>
+              <a:rPr lang="en-US" dirty="0"/>
+              <a:t>Filled in 20 rows with mean Total Spent per Item.</a:t>
+            </a:r>
+          </a:p>
+          <a:p>
+            <a:pPr algn="r"/>
+            <a:r>
+              <a:rPr lang="en-US" dirty="0"/>
+              <a:t>Dropped 5 rows due to uninterpretable data.</a:t>
             </a:r>
           </a:p>
         </p:txBody>
@@ -10399,7 +12082,7 @@
         </p:nvSpPr>
         <p:spPr>
           <a:xfrm>
-            <a:off x="6537436" y="1965435"/>
+            <a:off x="6364159" y="1965435"/>
             <a:ext cx="4402888" cy="369332"/>
           </a:xfrm>
           <a:prstGeom prst="rect">
@@ -10500,6 +12183,41 @@
           </a:p>
         </p:txBody>
       </p:sp>
+      <p:pic>
+        <p:nvPicPr>
+          <p:cNvPr id="10" name="Picture 9" descr="A table with numbers and a blue and red text&#10;&#10;AI-generated content may be incorrect.">
+            <a:extLst>
+              <a:ext uri="{FF2B5EF4-FFF2-40B4-BE49-F238E27FC236}">
+                <a16:creationId xmlns:a16="http://schemas.microsoft.com/office/drawing/2014/main" id="{5E4BCBE7-D039-533D-A29D-B050C3274DE3}"/>
+              </a:ext>
+            </a:extLst>
+          </p:cNvPr>
+          <p:cNvPicPr>
+            <a:picLocks noChangeAspect="1"/>
+          </p:cNvPicPr>
+          <p:nvPr/>
+        </p:nvPicPr>
+        <p:blipFill>
+          <a:blip r:embed="rId3"/>
+          <a:stretch>
+            <a:fillRect/>
+          </a:stretch>
+        </p:blipFill>
+        <p:spPr>
+          <a:xfrm>
+            <a:off x="757135" y="4435409"/>
+            <a:ext cx="5391974" cy="1629599"/>
+          </a:xfrm>
+          <a:prstGeom prst="rect">
+            <a:avLst/>
+          </a:prstGeom>
+          <a:ln w="19050">
+            <a:solidFill>
+              <a:srgbClr val="0070C0"/>
+            </a:solidFill>
+          </a:ln>
+        </p:spPr>
+      </p:pic>
     </p:spTree>
     <p:extLst>
       <p:ext uri="{BB962C8B-B14F-4D97-AF65-F5344CB8AC3E}">
@@ -11979,10 +13697,10 @@
       </p:sp>
       <p:sp>
         <p:nvSpPr>
-          <p:cNvPr id="3" name="Content Placeholder 2">
+          <p:cNvPr id="7" name="Content Placeholder 6">
             <a:extLst>
               <a:ext uri="{FF2B5EF4-FFF2-40B4-BE49-F238E27FC236}">
-                <a16:creationId xmlns:a16="http://schemas.microsoft.com/office/drawing/2014/main" id="{D0832B2D-B22B-31E5-79CC-C662F0EDB98C}"/>
+                <a16:creationId xmlns:a16="http://schemas.microsoft.com/office/drawing/2014/main" id="{58642D00-2FD1-716F-A68A-584735623D62}"/>
               </a:ext>
             </a:extLst>
           </p:cNvPr>
@@ -11993,12 +13711,419 @@
             <p:ph idx="1"/>
           </p:nvPr>
         </p:nvSpPr>
-        <p:spPr/>
+        <p:spPr>
+          <a:xfrm>
+            <a:off x="1251678" y="2286001"/>
+            <a:ext cx="4844322" cy="3593591"/>
+          </a:xfrm>
+        </p:spPr>
         <p:txBody>
           <a:bodyPr/>
           <a:lstStyle/>
           <a:p>
-            <a:endParaRPr lang="en-US"/>
+            <a:pPr marL="0" indent="0">
+              <a:buNone/>
+            </a:pPr>
+            <a:r>
+              <a:rPr lang="en-US" b="1" dirty="0"/>
+              <a:t>Most Profitable Days</a:t>
+            </a:r>
+          </a:p>
+          <a:p>
+            <a:pPr marL="457200" indent="-457200">
+              <a:buFont typeface="+mj-lt"/>
+              <a:buAutoNum type="arabicPeriod"/>
+            </a:pPr>
+            <a:r>
+              <a:rPr lang="en-US" dirty="0"/>
+              <a:t>Thursday</a:t>
+            </a:r>
+          </a:p>
+          <a:p>
+            <a:pPr marL="457200" indent="-457200">
+              <a:buFont typeface="+mj-lt"/>
+              <a:buAutoNum type="arabicPeriod"/>
+            </a:pPr>
+            <a:r>
+              <a:rPr lang="en-US" dirty="0"/>
+              <a:t>Friday</a:t>
+            </a:r>
+          </a:p>
+          <a:p>
+            <a:pPr marL="457200" indent="-457200">
+              <a:buFont typeface="+mj-lt"/>
+              <a:buAutoNum type="arabicPeriod"/>
+            </a:pPr>
+            <a:r>
+              <a:rPr lang="en-US" dirty="0"/>
+              <a:t>Sunday</a:t>
+            </a:r>
+          </a:p>
+          <a:p>
+            <a:pPr marL="0" indent="0">
+              <a:buNone/>
+            </a:pPr>
+            <a:r>
+              <a:rPr lang="en-US" b="1" dirty="0"/>
+              <a:t>Most Profitable Months</a:t>
+            </a:r>
+          </a:p>
+          <a:p>
+            <a:pPr marL="457200" indent="-457200">
+              <a:buFont typeface="+mj-lt"/>
+              <a:buAutoNum type="arabicPeriod"/>
+            </a:pPr>
+            <a:r>
+              <a:rPr lang="en-US" dirty="0"/>
+              <a:t>June</a:t>
+            </a:r>
+          </a:p>
+          <a:p>
+            <a:pPr marL="457200" indent="-457200">
+              <a:buFont typeface="+mj-lt"/>
+              <a:buAutoNum type="arabicPeriod"/>
+            </a:pPr>
+            <a:r>
+              <a:rPr lang="en-US" dirty="0"/>
+              <a:t>October</a:t>
+            </a:r>
+          </a:p>
+          <a:p>
+            <a:pPr marL="457200" indent="-457200">
+              <a:buFont typeface="+mj-lt"/>
+              <a:buAutoNum type="arabicPeriod"/>
+            </a:pPr>
+            <a:r>
+              <a:rPr lang="en-US" dirty="0"/>
+              <a:t>January</a:t>
+            </a:r>
+          </a:p>
+        </p:txBody>
+      </p:sp>
+      <p:sp>
+        <p:nvSpPr>
+          <p:cNvPr id="8" name="Content Placeholder 6">
+            <a:extLst>
+              <a:ext uri="{FF2B5EF4-FFF2-40B4-BE49-F238E27FC236}">
+                <a16:creationId xmlns:a16="http://schemas.microsoft.com/office/drawing/2014/main" id="{5DE07C61-D9DE-ABD0-AD3A-53ED16345F5D}"/>
+              </a:ext>
+            </a:extLst>
+          </p:cNvPr>
+          <p:cNvSpPr txBox="1">
+            <a:spLocks/>
+          </p:cNvSpPr>
+          <p:nvPr/>
+        </p:nvSpPr>
+        <p:spPr>
+          <a:xfrm>
+            <a:off x="6585678" y="2286001"/>
+            <a:ext cx="4844322" cy="3593591"/>
+          </a:xfrm>
+          <a:prstGeom prst="rect">
+            <a:avLst/>
+          </a:prstGeom>
+        </p:spPr>
+        <p:txBody>
+          <a:bodyPr vert="horz" lIns="91440" tIns="45720" rIns="91440" bIns="45720" rtlCol="0">
+            <a:normAutofit/>
+          </a:bodyPr>
+          <a:lstStyle>
+            <a:lvl1pPr marL="228600" indent="-228600" algn="l" defTabSz="914400" rtl="0" eaLnBrk="1" latinLnBrk="0" hangingPunct="1">
+              <a:lnSpc>
+                <a:spcPct val="110000"/>
+              </a:lnSpc>
+              <a:spcBef>
+                <a:spcPts val="700"/>
+              </a:spcBef>
+              <a:buClr>
+                <a:schemeClr val="tx2"/>
+              </a:buClr>
+              <a:buFont typeface="Arial" panose="020B0604020202020204" pitchFamily="34" charset="0"/>
+              <a:buChar char="•"/>
+              <a:defRPr sz="2000" kern="1200">
+                <a:solidFill>
+                  <a:schemeClr val="tx1">
+                    <a:lumMod val="65000"/>
+                    <a:lumOff val="35000"/>
+                  </a:schemeClr>
+                </a:solidFill>
+                <a:latin typeface="+mn-lt"/>
+                <a:ea typeface="+mn-ea"/>
+                <a:cs typeface="+mn-cs"/>
+              </a:defRPr>
+            </a:lvl1pPr>
+            <a:lvl2pPr marL="685800" indent="-228600" algn="l" defTabSz="914400" rtl="0" eaLnBrk="1" latinLnBrk="0" hangingPunct="1">
+              <a:lnSpc>
+                <a:spcPct val="110000"/>
+              </a:lnSpc>
+              <a:spcBef>
+                <a:spcPts val="700"/>
+              </a:spcBef>
+              <a:buClr>
+                <a:schemeClr val="tx2"/>
+              </a:buClr>
+              <a:buFont typeface="Gill Sans MT" panose="020B0502020104020203" pitchFamily="34" charset="0"/>
+              <a:buChar char="–"/>
+              <a:defRPr sz="1800" kern="1200">
+                <a:solidFill>
+                  <a:schemeClr val="tx1">
+                    <a:lumMod val="65000"/>
+                    <a:lumOff val="35000"/>
+                  </a:schemeClr>
+                </a:solidFill>
+                <a:latin typeface="+mn-lt"/>
+                <a:ea typeface="+mn-ea"/>
+                <a:cs typeface="+mn-cs"/>
+              </a:defRPr>
+            </a:lvl2pPr>
+            <a:lvl3pPr marL="1143000" indent="-228600" algn="l" defTabSz="914400" rtl="0" eaLnBrk="1" latinLnBrk="0" hangingPunct="1">
+              <a:lnSpc>
+                <a:spcPct val="110000"/>
+              </a:lnSpc>
+              <a:spcBef>
+                <a:spcPts val="700"/>
+              </a:spcBef>
+              <a:buClr>
+                <a:schemeClr val="tx2"/>
+              </a:buClr>
+              <a:buFont typeface="Arial" panose="020B0604020202020204" pitchFamily="34" charset="0"/>
+              <a:buChar char="•"/>
+              <a:defRPr sz="1600" kern="1200">
+                <a:solidFill>
+                  <a:schemeClr val="tx1">
+                    <a:lumMod val="65000"/>
+                    <a:lumOff val="35000"/>
+                  </a:schemeClr>
+                </a:solidFill>
+                <a:latin typeface="+mn-lt"/>
+                <a:ea typeface="+mn-ea"/>
+                <a:cs typeface="+mn-cs"/>
+              </a:defRPr>
+            </a:lvl3pPr>
+            <a:lvl4pPr marL="1600200" indent="-228600" algn="l" defTabSz="914400" rtl="0" eaLnBrk="1" latinLnBrk="0" hangingPunct="1">
+              <a:lnSpc>
+                <a:spcPct val="110000"/>
+              </a:lnSpc>
+              <a:spcBef>
+                <a:spcPts val="700"/>
+              </a:spcBef>
+              <a:buClr>
+                <a:schemeClr val="tx2"/>
+              </a:buClr>
+              <a:buFont typeface="Gill Sans MT" panose="020B0502020104020203" pitchFamily="34" charset="0"/>
+              <a:buChar char="–"/>
+              <a:defRPr sz="1400" kern="1200">
+                <a:solidFill>
+                  <a:schemeClr val="tx1">
+                    <a:lumMod val="65000"/>
+                    <a:lumOff val="35000"/>
+                  </a:schemeClr>
+                </a:solidFill>
+                <a:latin typeface="+mn-lt"/>
+                <a:ea typeface="+mn-ea"/>
+                <a:cs typeface="+mn-cs"/>
+              </a:defRPr>
+            </a:lvl4pPr>
+            <a:lvl5pPr marL="2057400" indent="-228600" algn="l" defTabSz="914400" rtl="0" eaLnBrk="1" latinLnBrk="0" hangingPunct="1">
+              <a:lnSpc>
+                <a:spcPct val="110000"/>
+              </a:lnSpc>
+              <a:spcBef>
+                <a:spcPts val="700"/>
+              </a:spcBef>
+              <a:buClr>
+                <a:schemeClr val="tx2"/>
+              </a:buClr>
+              <a:buFont typeface="Arial" panose="020B0604020202020204" pitchFamily="34" charset="0"/>
+              <a:buChar char="•"/>
+              <a:defRPr sz="1400" kern="1200">
+                <a:solidFill>
+                  <a:schemeClr val="tx1">
+                    <a:lumMod val="65000"/>
+                    <a:lumOff val="35000"/>
+                  </a:schemeClr>
+                </a:solidFill>
+                <a:latin typeface="+mn-lt"/>
+                <a:ea typeface="+mn-ea"/>
+                <a:cs typeface="+mn-cs"/>
+              </a:defRPr>
+            </a:lvl5pPr>
+            <a:lvl6pPr marL="2514600" indent="-228600" algn="l" defTabSz="914400" rtl="0" eaLnBrk="1" latinLnBrk="0" hangingPunct="1">
+              <a:lnSpc>
+                <a:spcPct val="110000"/>
+              </a:lnSpc>
+              <a:spcBef>
+                <a:spcPts val="700"/>
+              </a:spcBef>
+              <a:buClr>
+                <a:schemeClr val="tx2"/>
+              </a:buClr>
+              <a:buFont typeface="Gill Sans MT" panose="020B0502020104020203" pitchFamily="34" charset="0"/>
+              <a:buChar char="–"/>
+              <a:defRPr sz="1400" kern="1200">
+                <a:solidFill>
+                  <a:schemeClr val="tx1">
+                    <a:lumMod val="65000"/>
+                    <a:lumOff val="35000"/>
+                  </a:schemeClr>
+                </a:solidFill>
+                <a:latin typeface="+mn-lt"/>
+                <a:ea typeface="+mn-ea"/>
+                <a:cs typeface="+mn-cs"/>
+              </a:defRPr>
+            </a:lvl6pPr>
+            <a:lvl7pPr marL="2971800" indent="-228600" algn="l" defTabSz="914400" rtl="0" eaLnBrk="1" latinLnBrk="0" hangingPunct="1">
+              <a:lnSpc>
+                <a:spcPct val="110000"/>
+              </a:lnSpc>
+              <a:spcBef>
+                <a:spcPts val="700"/>
+              </a:spcBef>
+              <a:buClr>
+                <a:schemeClr val="tx2"/>
+              </a:buClr>
+              <a:buFont typeface="Arial" panose="020B0604020202020204" pitchFamily="34" charset="0"/>
+              <a:buChar char="•"/>
+              <a:defRPr sz="1400" kern="1200">
+                <a:solidFill>
+                  <a:schemeClr val="tx1">
+                    <a:lumMod val="65000"/>
+                    <a:lumOff val="35000"/>
+                  </a:schemeClr>
+                </a:solidFill>
+                <a:latin typeface="+mn-lt"/>
+                <a:ea typeface="+mn-ea"/>
+                <a:cs typeface="+mn-cs"/>
+              </a:defRPr>
+            </a:lvl7pPr>
+            <a:lvl8pPr marL="3429000" indent="-228600" algn="l" defTabSz="914400" rtl="0" eaLnBrk="1" latinLnBrk="0" hangingPunct="1">
+              <a:lnSpc>
+                <a:spcPct val="110000"/>
+              </a:lnSpc>
+              <a:spcBef>
+                <a:spcPts val="700"/>
+              </a:spcBef>
+              <a:buClr>
+                <a:schemeClr val="tx2"/>
+              </a:buClr>
+              <a:buFont typeface="Gill Sans MT" panose="020B0502020104020203" pitchFamily="34" charset="0"/>
+              <a:buChar char="–"/>
+              <a:defRPr sz="1400" kern="1200" baseline="0">
+                <a:solidFill>
+                  <a:schemeClr val="tx1">
+                    <a:lumMod val="65000"/>
+                    <a:lumOff val="35000"/>
+                  </a:schemeClr>
+                </a:solidFill>
+                <a:latin typeface="+mn-lt"/>
+                <a:ea typeface="+mn-ea"/>
+                <a:cs typeface="+mn-cs"/>
+              </a:defRPr>
+            </a:lvl8pPr>
+            <a:lvl9pPr marL="3886200" indent="-228600" algn="l" defTabSz="914400" rtl="0" eaLnBrk="1" latinLnBrk="0" hangingPunct="1">
+              <a:lnSpc>
+                <a:spcPct val="110000"/>
+              </a:lnSpc>
+              <a:spcBef>
+                <a:spcPts val="700"/>
+              </a:spcBef>
+              <a:buClr>
+                <a:schemeClr val="tx2"/>
+              </a:buClr>
+              <a:buFont typeface="Arial" panose="020B0604020202020204" pitchFamily="34" charset="0"/>
+              <a:buChar char="•"/>
+              <a:defRPr sz="1400" kern="1200" baseline="0">
+                <a:solidFill>
+                  <a:schemeClr val="tx1">
+                    <a:lumMod val="65000"/>
+                    <a:lumOff val="35000"/>
+                  </a:schemeClr>
+                </a:solidFill>
+                <a:latin typeface="+mn-lt"/>
+                <a:ea typeface="+mn-ea"/>
+                <a:cs typeface="+mn-cs"/>
+              </a:defRPr>
+            </a:lvl9pPr>
+          </a:lstStyle>
+          <a:p>
+            <a:pPr marL="0" indent="0">
+              <a:buFont typeface="Arial" panose="020B0604020202020204" pitchFamily="34" charset="0"/>
+              <a:buNone/>
+            </a:pPr>
+            <a:r>
+              <a:rPr lang="en-US" b="1" dirty="0"/>
+              <a:t>Busiest Days</a:t>
+            </a:r>
+          </a:p>
+          <a:p>
+            <a:pPr marL="457200" indent="-457200">
+              <a:buFont typeface="+mj-lt"/>
+              <a:buAutoNum type="arabicPeriod"/>
+            </a:pPr>
+            <a:r>
+              <a:rPr lang="en-US" dirty="0"/>
+              <a:t>Friday</a:t>
+            </a:r>
+          </a:p>
+          <a:p>
+            <a:pPr marL="457200" indent="-457200">
+              <a:buFont typeface="+mj-lt"/>
+              <a:buAutoNum type="arabicPeriod"/>
+            </a:pPr>
+            <a:r>
+              <a:rPr lang="en-US" dirty="0"/>
+              <a:t>Sunday</a:t>
+            </a:r>
+          </a:p>
+          <a:p>
+            <a:pPr marL="457200" indent="-457200">
+              <a:buFont typeface="+mj-lt"/>
+              <a:buAutoNum type="arabicPeriod"/>
+            </a:pPr>
+            <a:r>
+              <a:rPr lang="en-US" dirty="0"/>
+              <a:t>Tuesday</a:t>
+            </a:r>
+          </a:p>
+          <a:p>
+            <a:pPr marL="0" indent="0">
+              <a:buFont typeface="Arial" panose="020B0604020202020204" pitchFamily="34" charset="0"/>
+              <a:buNone/>
+            </a:pPr>
+            <a:r>
+              <a:rPr lang="en-US" b="1" dirty="0"/>
+              <a:t>Busiest Months</a:t>
+            </a:r>
+          </a:p>
+          <a:p>
+            <a:pPr marL="457200" indent="-457200">
+              <a:buFont typeface="+mj-lt"/>
+              <a:buAutoNum type="arabicPeriod"/>
+            </a:pPr>
+            <a:r>
+              <a:rPr lang="en-US" dirty="0"/>
+              <a:t>October</a:t>
+            </a:r>
+          </a:p>
+          <a:p>
+            <a:pPr marL="457200" indent="-457200">
+              <a:buFont typeface="+mj-lt"/>
+              <a:buAutoNum type="arabicPeriod"/>
+            </a:pPr>
+            <a:r>
+              <a:rPr lang="en-US" dirty="0"/>
+              <a:t>December</a:t>
+            </a:r>
+          </a:p>
+          <a:p>
+            <a:pPr marL="457200" indent="-457200">
+              <a:buFont typeface="+mj-lt"/>
+              <a:buAutoNum type="arabicPeriod"/>
+            </a:pPr>
+            <a:r>
+              <a:rPr lang="en-US" dirty="0"/>
+              <a:t>April</a:t>
+            </a:r>
           </a:p>
         </p:txBody>
       </p:sp>
@@ -12016,6 +14141,258 @@
 </file>
 
 <file path=ppt/slides/slide7.xml><?xml version="1.0" encoding="utf-8"?>
+<p:sld xmlns:a="http://schemas.openxmlformats.org/drawingml/2006/main" xmlns:r="http://schemas.openxmlformats.org/officeDocument/2006/relationships" xmlns:p="http://schemas.openxmlformats.org/presentationml/2006/main">
+  <p:cSld>
+    <p:spTree>
+      <p:nvGrpSpPr>
+        <p:cNvPr id="1" name=""/>
+        <p:cNvGrpSpPr/>
+        <p:nvPr/>
+      </p:nvGrpSpPr>
+      <p:grpSpPr>
+        <a:xfrm>
+          <a:off x="0" y="0"/>
+          <a:ext cx="0" cy="0"/>
+          <a:chOff x="0" y="0"/>
+          <a:chExt cx="0" cy="0"/>
+        </a:xfrm>
+      </p:grpSpPr>
+      <p:sp>
+        <p:nvSpPr>
+          <p:cNvPr id="2" name="Title 1">
+            <a:extLst>
+              <a:ext uri="{FF2B5EF4-FFF2-40B4-BE49-F238E27FC236}">
+                <a16:creationId xmlns:a16="http://schemas.microsoft.com/office/drawing/2014/main" id="{0DBAC337-5328-012C-93AF-EFA5009D3248}"/>
+              </a:ext>
+            </a:extLst>
+          </p:cNvPr>
+          <p:cNvSpPr>
+            <a:spLocks noGrp="1"/>
+          </p:cNvSpPr>
+          <p:nvPr>
+            <p:ph type="title"/>
+          </p:nvPr>
+        </p:nvSpPr>
+        <p:spPr/>
+        <p:txBody>
+          <a:bodyPr/>
+          <a:lstStyle/>
+          <a:p>
+            <a:r>
+              <a:rPr lang="en-US" dirty="0"/>
+              <a:t>Most profitable Day</a:t>
+            </a:r>
+          </a:p>
+        </p:txBody>
+      </p:sp>
+      <p:pic>
+        <p:nvPicPr>
+          <p:cNvPr id="5" name="Picture 4" descr="A graph showing the amount of money in different colors&#10;&#10;AI-generated content may be incorrect.">
+            <a:extLst>
+              <a:ext uri="{FF2B5EF4-FFF2-40B4-BE49-F238E27FC236}">
+                <a16:creationId xmlns:a16="http://schemas.microsoft.com/office/drawing/2014/main" id="{3DE53FFA-63E1-50C1-C84B-86941888A988}"/>
+              </a:ext>
+            </a:extLst>
+          </p:cNvPr>
+          <p:cNvPicPr>
+            <a:picLocks noChangeAspect="1"/>
+          </p:cNvPicPr>
+          <p:nvPr/>
+        </p:nvPicPr>
+        <p:blipFill>
+          <a:blip r:embed="rId2"/>
+          <a:stretch>
+            <a:fillRect/>
+          </a:stretch>
+        </p:blipFill>
+        <p:spPr>
+          <a:xfrm>
+            <a:off x="2011816" y="1371600"/>
+            <a:ext cx="8168368" cy="4506686"/>
+          </a:xfrm>
+          <a:prstGeom prst="rect">
+            <a:avLst/>
+          </a:prstGeom>
+        </p:spPr>
+      </p:pic>
+      <p:sp>
+        <p:nvSpPr>
+          <p:cNvPr id="8" name="TextBox 7">
+            <a:extLst>
+              <a:ext uri="{FF2B5EF4-FFF2-40B4-BE49-F238E27FC236}">
+                <a16:creationId xmlns:a16="http://schemas.microsoft.com/office/drawing/2014/main" id="{8AEAFAE4-CE4C-E2C1-2293-7B44A7A2BD9E}"/>
+              </a:ext>
+            </a:extLst>
+          </p:cNvPr>
+          <p:cNvSpPr txBox="1"/>
+          <p:nvPr/>
+        </p:nvSpPr>
+        <p:spPr>
+          <a:xfrm>
+            <a:off x="3351370" y="5878286"/>
+            <a:ext cx="5489260" cy="369332"/>
+          </a:xfrm>
+          <a:prstGeom prst="rect">
+            <a:avLst/>
+          </a:prstGeom>
+          <a:noFill/>
+        </p:spPr>
+        <p:txBody>
+          <a:bodyPr wrap="none" rtlCol="0">
+            <a:spAutoFit/>
+          </a:bodyPr>
+          <a:lstStyle/>
+          <a:p>
+            <a:r>
+              <a:rPr lang="en-US" dirty="0"/>
+              <a:t>Computed through sum of Total Sales per each weekday</a:t>
+            </a:r>
+          </a:p>
+        </p:txBody>
+      </p:sp>
+    </p:spTree>
+    <p:extLst>
+      <p:ext uri="{BB962C8B-B14F-4D97-AF65-F5344CB8AC3E}">
+        <p14:creationId xmlns:p14="http://schemas.microsoft.com/office/powerpoint/2010/main" val="2629396670"/>
+      </p:ext>
+    </p:extLst>
+  </p:cSld>
+  <p:clrMapOvr>
+    <a:masterClrMapping/>
+  </p:clrMapOvr>
+</p:sld>
+</file>
+
+<file path=ppt/slides/slide8.xml><?xml version="1.0" encoding="utf-8"?>
+<p:sld xmlns:a="http://schemas.openxmlformats.org/drawingml/2006/main" xmlns:r="http://schemas.openxmlformats.org/officeDocument/2006/relationships" xmlns:p="http://schemas.openxmlformats.org/presentationml/2006/main">
+  <p:cSld>
+    <p:spTree>
+      <p:nvGrpSpPr>
+        <p:cNvPr id="1" name="">
+          <a:extLst>
+            <a:ext uri="{FF2B5EF4-FFF2-40B4-BE49-F238E27FC236}">
+              <a16:creationId xmlns:a16="http://schemas.microsoft.com/office/drawing/2014/main" id="{133C2443-B563-A869-D5A4-8EEAC16908E1}"/>
+            </a:ext>
+          </a:extLst>
+        </p:cNvPr>
+        <p:cNvGrpSpPr/>
+        <p:nvPr/>
+      </p:nvGrpSpPr>
+      <p:grpSpPr>
+        <a:xfrm>
+          <a:off x="0" y="0"/>
+          <a:ext cx="0" cy="0"/>
+          <a:chOff x="0" y="0"/>
+          <a:chExt cx="0" cy="0"/>
+        </a:xfrm>
+      </p:grpSpPr>
+      <p:sp>
+        <p:nvSpPr>
+          <p:cNvPr id="2" name="Title 1">
+            <a:extLst>
+              <a:ext uri="{FF2B5EF4-FFF2-40B4-BE49-F238E27FC236}">
+                <a16:creationId xmlns:a16="http://schemas.microsoft.com/office/drawing/2014/main" id="{A4107189-4667-4CA0-57E4-F19F5F4A5C74}"/>
+              </a:ext>
+            </a:extLst>
+          </p:cNvPr>
+          <p:cNvSpPr>
+            <a:spLocks noGrp="1"/>
+          </p:cNvSpPr>
+          <p:nvPr>
+            <p:ph type="title"/>
+          </p:nvPr>
+        </p:nvSpPr>
+        <p:spPr/>
+        <p:txBody>
+          <a:bodyPr/>
+          <a:lstStyle/>
+          <a:p>
+            <a:r>
+              <a:rPr lang="en-US" dirty="0"/>
+              <a:t>Most profitable Month</a:t>
+            </a:r>
+          </a:p>
+        </p:txBody>
+      </p:sp>
+      <p:sp>
+        <p:nvSpPr>
+          <p:cNvPr id="8" name="TextBox 7">
+            <a:extLst>
+              <a:ext uri="{FF2B5EF4-FFF2-40B4-BE49-F238E27FC236}">
+                <a16:creationId xmlns:a16="http://schemas.microsoft.com/office/drawing/2014/main" id="{2599442D-C64E-DC33-F2EC-BD3288FEB718}"/>
+              </a:ext>
+            </a:extLst>
+          </p:cNvPr>
+          <p:cNvSpPr txBox="1"/>
+          <p:nvPr/>
+        </p:nvSpPr>
+        <p:spPr>
+          <a:xfrm>
+            <a:off x="2676534" y="5478235"/>
+            <a:ext cx="7328609" cy="369332"/>
+          </a:xfrm>
+          <a:prstGeom prst="rect">
+            <a:avLst/>
+          </a:prstGeom>
+          <a:noFill/>
+        </p:spPr>
+        <p:txBody>
+          <a:bodyPr wrap="none" rtlCol="0">
+            <a:spAutoFit/>
+          </a:bodyPr>
+          <a:lstStyle/>
+          <a:p>
+            <a:r>
+              <a:rPr lang="en-US" dirty="0"/>
+              <a:t>As shown. February with an unusually low revenue, likely due to missing data</a:t>
+            </a:r>
+          </a:p>
+        </p:txBody>
+      </p:sp>
+      <p:pic>
+        <p:nvPicPr>
+          <p:cNvPr id="4" name="Picture 3" descr="A graph with different colored bars&#10;&#10;AI-generated content may be incorrect.">
+            <a:extLst>
+              <a:ext uri="{FF2B5EF4-FFF2-40B4-BE49-F238E27FC236}">
+                <a16:creationId xmlns:a16="http://schemas.microsoft.com/office/drawing/2014/main" id="{14CE2B45-8C7A-EB74-8385-ACAA8DA5C02C}"/>
+              </a:ext>
+            </a:extLst>
+          </p:cNvPr>
+          <p:cNvPicPr>
+            <a:picLocks noChangeAspect="1"/>
+          </p:cNvPicPr>
+          <p:nvPr/>
+        </p:nvPicPr>
+        <p:blipFill>
+          <a:blip r:embed="rId2"/>
+          <a:stretch>
+            <a:fillRect/>
+          </a:stretch>
+        </p:blipFill>
+        <p:spPr>
+          <a:xfrm>
+            <a:off x="1777180" y="1379764"/>
+            <a:ext cx="8637639" cy="4098471"/>
+          </a:xfrm>
+          <a:prstGeom prst="rect">
+            <a:avLst/>
+          </a:prstGeom>
+        </p:spPr>
+      </p:pic>
+    </p:spTree>
+    <p:extLst>
+      <p:ext uri="{BB962C8B-B14F-4D97-AF65-F5344CB8AC3E}">
+        <p14:creationId xmlns:p14="http://schemas.microsoft.com/office/powerpoint/2010/main" val="3583062552"/>
+      </p:ext>
+    </p:extLst>
+  </p:cSld>
+  <p:clrMapOvr>
+    <a:masterClrMapping/>
+  </p:clrMapOvr>
+</p:sld>
+</file>
+
+<file path=ppt/slides/slide9.xml><?xml version="1.0" encoding="utf-8"?>
 <p:sld xmlns:a="http://schemas.openxmlformats.org/drawingml/2006/main" xmlns:r="http://schemas.openxmlformats.org/officeDocument/2006/relationships" xmlns:p="http://schemas.openxmlformats.org/presentationml/2006/main">
   <p:cSld>
     <p:bg>
@@ -13504,1662 +15881,6 @@
 </p:sld>
 </file>
 
-<file path=ppt/slides/slide8.xml><?xml version="1.0" encoding="utf-8"?>
-<p:sld xmlns:a="http://schemas.openxmlformats.org/drawingml/2006/main" xmlns:r="http://schemas.openxmlformats.org/officeDocument/2006/relationships" xmlns:p="http://schemas.openxmlformats.org/presentationml/2006/main">
-  <p:cSld>
-    <p:bg>
-      <p:bgPr>
-        <a:solidFill>
-          <a:schemeClr val="bg1">
-            <a:tint val="95000"/>
-            <a:satMod val="170000"/>
-          </a:schemeClr>
-        </a:solidFill>
-        <a:effectLst/>
-      </p:bgPr>
-    </p:bg>
-    <p:spTree>
-      <p:nvGrpSpPr>
-        <p:cNvPr id="1" name=""/>
-        <p:cNvGrpSpPr/>
-        <p:nvPr/>
-      </p:nvGrpSpPr>
-      <p:grpSpPr>
-        <a:xfrm>
-          <a:off x="0" y="0"/>
-          <a:ext cx="0" cy="0"/>
-          <a:chOff x="0" y="0"/>
-          <a:chExt cx="0" cy="0"/>
-        </a:xfrm>
-      </p:grpSpPr>
-      <p:sp useBgFill="1">
-        <p:nvSpPr>
-          <p:cNvPr id="8" name="Rectangle 7">
-            <a:extLst>
-              <a:ext uri="{FF2B5EF4-FFF2-40B4-BE49-F238E27FC236}">
-                <a16:creationId xmlns:a16="http://schemas.microsoft.com/office/drawing/2014/main" id="{CFC012A5-170D-4B0F-A916-A8EE2C6CE94A}"/>
-              </a:ext>
-              <a:ext uri="{C183D7F6-B498-43B3-948B-1728B52AA6E4}">
-                <adec:decorative xmlns:adec="http://schemas.microsoft.com/office/drawing/2017/decorative" val="1"/>
-              </a:ext>
-            </a:extLst>
-          </p:cNvPr>
-          <p:cNvSpPr>
-            <a:spLocks noGrp="1" noRot="1" noChangeAspect="1" noMove="1" noResize="1" noEditPoints="1" noAdjustHandles="1" noChangeArrowheads="1" noChangeShapeType="1" noTextEdit="1"/>
-          </p:cNvSpPr>
-          <p:nvPr>
-            <p:extLst>
-              <p:ext uri="{386F3935-93C4-4BCD-93E2-E3B085C9AB24}">
-                <p16:designElem xmlns:p16="http://schemas.microsoft.com/office/powerpoint/2015/main" val="1"/>
-              </p:ext>
-            </p:extLst>
-          </p:nvPr>
-        </p:nvSpPr>
-        <p:spPr>
-          <a:xfrm>
-            <a:off x="0" y="0"/>
-            <a:ext cx="12192000" cy="6858000"/>
-          </a:xfrm>
-          <a:prstGeom prst="rect">
-            <a:avLst/>
-          </a:prstGeom>
-          <a:ln>
-            <a:noFill/>
-          </a:ln>
-        </p:spPr>
-        <p:style>
-          <a:lnRef idx="2">
-            <a:schemeClr val="accent1">
-              <a:shade val="50000"/>
-            </a:schemeClr>
-          </a:lnRef>
-          <a:fillRef idx="1">
-            <a:schemeClr val="accent1"/>
-          </a:fillRef>
-          <a:effectRef idx="0">
-            <a:schemeClr val="accent1"/>
-          </a:effectRef>
-          <a:fontRef idx="minor">
-            <a:schemeClr val="lt1"/>
-          </a:fontRef>
-        </p:style>
-        <p:txBody>
-          <a:bodyPr rtlCol="0" anchor="ctr"/>
-          <a:lstStyle/>
-          <a:p>
-            <a:pPr algn="ctr"/>
-            <a:endParaRPr lang="en-US"/>
-          </a:p>
-        </p:txBody>
-      </p:sp>
-      <p:sp>
-        <p:nvSpPr>
-          <p:cNvPr id="10" name="Rectangle 9">
-            <a:extLst>
-              <a:ext uri="{FF2B5EF4-FFF2-40B4-BE49-F238E27FC236}">
-                <a16:creationId xmlns:a16="http://schemas.microsoft.com/office/drawing/2014/main" id="{37F40654-5E8C-468A-9596-50927AF198AB}"/>
-              </a:ext>
-              <a:ext uri="{C183D7F6-B498-43B3-948B-1728B52AA6E4}">
-                <adec:decorative xmlns:adec="http://schemas.microsoft.com/office/drawing/2017/decorative" val="1"/>
-              </a:ext>
-            </a:extLst>
-          </p:cNvPr>
-          <p:cNvSpPr>
-            <a:spLocks noGrp="1" noRot="1" noChangeAspect="1" noMove="1" noResize="1" noEditPoints="1" noAdjustHandles="1" noChangeArrowheads="1" noChangeShapeType="1" noTextEdit="1"/>
-          </p:cNvSpPr>
-          <p:nvPr>
-            <p:extLst>
-              <p:ext uri="{386F3935-93C4-4BCD-93E2-E3B085C9AB24}">
-                <p16:designElem xmlns:p16="http://schemas.microsoft.com/office/powerpoint/2015/main" val="1"/>
-              </p:ext>
-            </p:extLst>
-          </p:nvPr>
-        </p:nvSpPr>
-        <p:spPr>
-          <a:xfrm>
-            <a:off x="0" y="0"/>
-            <a:ext cx="3345981" cy="6858000"/>
-          </a:xfrm>
-          <a:prstGeom prst="rect">
-            <a:avLst/>
-          </a:prstGeom>
-          <a:solidFill>
-            <a:schemeClr val="accent1"/>
-          </a:solidFill>
-          <a:ln>
-            <a:noFill/>
-          </a:ln>
-        </p:spPr>
-        <p:style>
-          <a:lnRef idx="2">
-            <a:schemeClr val="accent1">
-              <a:shade val="50000"/>
-            </a:schemeClr>
-          </a:lnRef>
-          <a:fillRef idx="1">
-            <a:schemeClr val="accent1"/>
-          </a:fillRef>
-          <a:effectRef idx="0">
-            <a:schemeClr val="accent1"/>
-          </a:effectRef>
-          <a:fontRef idx="minor">
-            <a:schemeClr val="lt1"/>
-          </a:fontRef>
-        </p:style>
-        <p:txBody>
-          <a:bodyPr rtlCol="0" anchor="ctr"/>
-          <a:lstStyle/>
-          <a:p>
-            <a:pPr algn="ctr"/>
-            <a:endParaRPr lang="en-US"/>
-          </a:p>
-        </p:txBody>
-      </p:sp>
-      <p:sp>
-        <p:nvSpPr>
-          <p:cNvPr id="2" name="Title 1">
-            <a:extLst>
-              <a:ext uri="{FF2B5EF4-FFF2-40B4-BE49-F238E27FC236}">
-                <a16:creationId xmlns:a16="http://schemas.microsoft.com/office/drawing/2014/main" id="{35C3E638-6E43-66AB-C48A-69D17AEDC978}"/>
-              </a:ext>
-            </a:extLst>
-          </p:cNvPr>
-          <p:cNvSpPr>
-            <a:spLocks noGrp="1"/>
-          </p:cNvSpPr>
-          <p:nvPr>
-            <p:ph type="title"/>
-          </p:nvPr>
-        </p:nvSpPr>
-        <p:spPr>
-          <a:xfrm>
-            <a:off x="965201" y="1354945"/>
-            <a:ext cx="2059048" cy="4148110"/>
-          </a:xfrm>
-        </p:spPr>
-        <p:txBody>
-          <a:bodyPr anchor="ctr">
-            <a:normAutofit/>
-          </a:bodyPr>
-          <a:lstStyle/>
-          <a:p>
-            <a:r>
-              <a:rPr lang="en-US" sz="2400">
-                <a:solidFill>
-                  <a:srgbClr val="2A1A00"/>
-                </a:solidFill>
-              </a:rPr>
-              <a:t>Reflections</a:t>
-            </a:r>
-          </a:p>
-        </p:txBody>
-      </p:sp>
-      <p:sp>
-        <p:nvSpPr>
-          <p:cNvPr id="12" name="Rectangle 11">
-            <a:extLst>
-              <a:ext uri="{FF2B5EF4-FFF2-40B4-BE49-F238E27FC236}">
-                <a16:creationId xmlns:a16="http://schemas.microsoft.com/office/drawing/2014/main" id="{50B1BD4A-8DE6-4266-9C27-59260F938ED8}"/>
-              </a:ext>
-              <a:ext uri="{C183D7F6-B498-43B3-948B-1728B52AA6E4}">
-                <adec:decorative xmlns:adec="http://schemas.microsoft.com/office/drawing/2017/decorative" val="1"/>
-              </a:ext>
-            </a:extLst>
-          </p:cNvPr>
-          <p:cNvSpPr>
-            <a:spLocks noGrp="1" noRot="1" noChangeAspect="1" noMove="1" noResize="1" noEditPoints="1" noAdjustHandles="1" noChangeArrowheads="1" noChangeShapeType="1" noTextEdit="1"/>
-          </p:cNvSpPr>
-          <p:nvPr>
-            <p:extLst>
-              <p:ext uri="{386F3935-93C4-4BCD-93E2-E3B085C9AB24}">
-                <p16:designElem xmlns:p16="http://schemas.microsoft.com/office/powerpoint/2015/main" val="1"/>
-              </p:ext>
-            </p:extLst>
-          </p:nvPr>
-        </p:nvSpPr>
-        <p:spPr>
-          <a:xfrm>
-            <a:off x="0" y="0"/>
-            <a:ext cx="643467" cy="6858000"/>
-          </a:xfrm>
-          <a:prstGeom prst="rect">
-            <a:avLst/>
-          </a:prstGeom>
-          <a:solidFill>
-            <a:schemeClr val="accent1">
-              <a:lumMod val="75000"/>
-            </a:schemeClr>
-          </a:solidFill>
-          <a:ln>
-            <a:noFill/>
-          </a:ln>
-        </p:spPr>
-        <p:style>
-          <a:lnRef idx="2">
-            <a:schemeClr val="accent1">
-              <a:shade val="50000"/>
-            </a:schemeClr>
-          </a:lnRef>
-          <a:fillRef idx="1003">
-            <a:schemeClr val="lt1"/>
-          </a:fillRef>
-          <a:effectRef idx="0">
-            <a:schemeClr val="accent1"/>
-          </a:effectRef>
-          <a:fontRef idx="minor">
-            <a:schemeClr val="lt1"/>
-          </a:fontRef>
-        </p:style>
-        <p:txBody>
-          <a:bodyPr rtlCol="0" anchor="ctr"/>
-          <a:lstStyle/>
-          <a:p>
-            <a:pPr algn="ctr"/>
-            <a:endParaRPr lang="en-US">
-              <a:solidFill>
-                <a:schemeClr val="accent2"/>
-              </a:solidFill>
-            </a:endParaRPr>
-          </a:p>
-        </p:txBody>
-      </p:sp>
-      <p:sp>
-        <p:nvSpPr>
-          <p:cNvPr id="3" name="Content Placeholder 2">
-            <a:extLst>
-              <a:ext uri="{FF2B5EF4-FFF2-40B4-BE49-F238E27FC236}">
-                <a16:creationId xmlns:a16="http://schemas.microsoft.com/office/drawing/2014/main" id="{A1B7327D-DEF2-95DF-FF4C-D7D68BD25173}"/>
-              </a:ext>
-            </a:extLst>
-          </p:cNvPr>
-          <p:cNvSpPr>
-            <a:spLocks noGrp="1"/>
-          </p:cNvSpPr>
-          <p:nvPr>
-            <p:ph idx="1"/>
-          </p:nvPr>
-        </p:nvSpPr>
-        <p:spPr>
-          <a:xfrm>
-            <a:off x="3828580" y="1354945"/>
-            <a:ext cx="7601419" cy="4148110"/>
-          </a:xfrm>
-        </p:spPr>
-        <p:txBody>
-          <a:bodyPr anchor="ctr">
-            <a:normAutofit/>
-          </a:bodyPr>
-          <a:lstStyle/>
-          <a:p>
-            <a:endParaRPr lang="en-US"/>
-          </a:p>
-        </p:txBody>
-      </p:sp>
-    </p:spTree>
-    <p:extLst>
-      <p:ext uri="{BB962C8B-B14F-4D97-AF65-F5344CB8AC3E}">
-        <p14:creationId xmlns:p14="http://schemas.microsoft.com/office/powerpoint/2010/main" val="303883649"/>
-      </p:ext>
-    </p:extLst>
-  </p:cSld>
-  <p:clrMapOvr>
-    <a:overrideClrMapping bg1="dk1" tx1="lt1" bg2="dk2" tx2="lt2" accent1="accent1" accent2="accent2" accent3="accent3" accent4="accent4" accent5="accent5" accent6="accent6" hlink="hlink" folHlink="folHlink"/>
-  </p:clrMapOvr>
-</p:sld>
-</file>
-
-<file path=ppt/slides/slide9.xml><?xml version="1.0" encoding="utf-8"?>
-<p:sld xmlns:a="http://schemas.openxmlformats.org/drawingml/2006/main" xmlns:r="http://schemas.openxmlformats.org/officeDocument/2006/relationships" xmlns:p="http://schemas.openxmlformats.org/presentationml/2006/main">
-  <p:cSld>
-    <p:bg>
-      <p:bgPr>
-        <a:solidFill>
-          <a:schemeClr val="bg2"/>
-        </a:solidFill>
-        <a:effectLst/>
-      </p:bgPr>
-    </p:bg>
-    <p:spTree>
-      <p:nvGrpSpPr>
-        <p:cNvPr id="1" name=""/>
-        <p:cNvGrpSpPr/>
-        <p:nvPr/>
-      </p:nvGrpSpPr>
-      <p:grpSpPr>
-        <a:xfrm>
-          <a:off x="0" y="0"/>
-          <a:ext cx="0" cy="0"/>
-          <a:chOff x="0" y="0"/>
-          <a:chExt cx="0" cy="0"/>
-        </a:xfrm>
-      </p:grpSpPr>
-      <p:sp>
-        <p:nvSpPr>
-          <p:cNvPr id="10" name="Rectangle 9">
-            <a:extLst>
-              <a:ext uri="{FF2B5EF4-FFF2-40B4-BE49-F238E27FC236}">
-                <a16:creationId xmlns:a16="http://schemas.microsoft.com/office/drawing/2014/main" id="{93B3D315-2706-4149-873C-331EDFAFEF5A}"/>
-              </a:ext>
-              <a:ext uri="{C183D7F6-B498-43B3-948B-1728B52AA6E4}">
-                <adec:decorative xmlns:adec="http://schemas.microsoft.com/office/drawing/2017/decorative" val="1"/>
-              </a:ext>
-            </a:extLst>
-          </p:cNvPr>
-          <p:cNvSpPr>
-            <a:spLocks noGrp="1" noRot="1" noChangeAspect="1" noMove="1" noResize="1" noEditPoints="1" noAdjustHandles="1" noChangeArrowheads="1" noChangeShapeType="1" noTextEdit="1"/>
-          </p:cNvSpPr>
-          <p:nvPr>
-            <p:extLst>
-              <p:ext uri="{386F3935-93C4-4BCD-93E2-E3B085C9AB24}">
-                <p16:designElem xmlns:p16="http://schemas.microsoft.com/office/powerpoint/2015/main" val="1"/>
-              </p:ext>
-            </p:extLst>
-          </p:nvPr>
-        </p:nvSpPr>
-        <p:spPr bwMode="ltGray">
-          <a:xfrm>
-            <a:off x="0" y="0"/>
-            <a:ext cx="12192001" cy="6858000"/>
-          </a:xfrm>
-          <a:prstGeom prst="rect">
-            <a:avLst/>
-          </a:prstGeom>
-          <a:solidFill>
-            <a:schemeClr val="accent1"/>
-          </a:solidFill>
-          <a:ln>
-            <a:noFill/>
-          </a:ln>
-        </p:spPr>
-        <p:style>
-          <a:lnRef idx="2">
-            <a:schemeClr val="accent1">
-              <a:shade val="50000"/>
-            </a:schemeClr>
-          </a:lnRef>
-          <a:fillRef idx="1">
-            <a:schemeClr val="accent1"/>
-          </a:fillRef>
-          <a:effectRef idx="0">
-            <a:schemeClr val="accent1"/>
-          </a:effectRef>
-          <a:fontRef idx="minor">
-            <a:schemeClr val="lt1"/>
-          </a:fontRef>
-        </p:style>
-        <p:txBody>
-          <a:bodyPr rtlCol="0" anchor="ctr"/>
-          <a:lstStyle/>
-          <a:p>
-            <a:pPr algn="ctr"/>
-            <a:endParaRPr lang="en-US"/>
-          </a:p>
-        </p:txBody>
-      </p:sp>
-      <p:sp>
-        <p:nvSpPr>
-          <p:cNvPr id="2" name="Title 1">
-            <a:extLst>
-              <a:ext uri="{FF2B5EF4-FFF2-40B4-BE49-F238E27FC236}">
-                <a16:creationId xmlns:a16="http://schemas.microsoft.com/office/drawing/2014/main" id="{4698B96A-BE58-F1A3-3852-56458A26BCC8}"/>
-              </a:ext>
-            </a:extLst>
-          </p:cNvPr>
-          <p:cNvSpPr>
-            <a:spLocks noGrp="1"/>
-          </p:cNvSpPr>
-          <p:nvPr>
-            <p:ph type="title"/>
-          </p:nvPr>
-        </p:nvSpPr>
-        <p:spPr>
-          <a:xfrm>
-            <a:off x="1251678" y="949642"/>
-            <a:ext cx="4882422" cy="1492132"/>
-          </a:xfrm>
-        </p:spPr>
-        <p:txBody>
-          <a:bodyPr>
-            <a:normAutofit/>
-          </a:bodyPr>
-          <a:lstStyle/>
-          <a:p>
-            <a:r>
-              <a:rPr lang="en-US" sz="7200" dirty="0"/>
-              <a:t>Thank you</a:t>
-            </a:r>
-          </a:p>
-        </p:txBody>
-      </p:sp>
-      <p:sp>
-        <p:nvSpPr>
-          <p:cNvPr id="12" name="Rectangle 11">
-            <a:extLst>
-              <a:ext uri="{FF2B5EF4-FFF2-40B4-BE49-F238E27FC236}">
-                <a16:creationId xmlns:a16="http://schemas.microsoft.com/office/drawing/2014/main" id="{8D04E398-086D-467C-B390-9F9079FA7ABA}"/>
-              </a:ext>
-              <a:ext uri="{C183D7F6-B498-43B3-948B-1728B52AA6E4}">
-                <adec:decorative xmlns:adec="http://schemas.microsoft.com/office/drawing/2017/decorative" val="1"/>
-              </a:ext>
-            </a:extLst>
-          </p:cNvPr>
-          <p:cNvSpPr>
-            <a:spLocks noGrp="1" noRot="1" noChangeAspect="1" noMove="1" noResize="1" noEditPoints="1" noAdjustHandles="1" noChangeArrowheads="1" noChangeShapeType="1" noTextEdit="1"/>
-          </p:cNvSpPr>
-          <p:nvPr>
-            <p:extLst>
-              <p:ext uri="{386F3935-93C4-4BCD-93E2-E3B085C9AB24}">
-                <p16:designElem xmlns:p16="http://schemas.microsoft.com/office/powerpoint/2015/main" val="1"/>
-              </p:ext>
-            </p:extLst>
-          </p:nvPr>
-        </p:nvSpPr>
-        <p:spPr>
-          <a:xfrm>
-            <a:off x="0" y="0"/>
-            <a:ext cx="283464" cy="6858000"/>
-          </a:xfrm>
-          <a:prstGeom prst="rect">
-            <a:avLst/>
-          </a:prstGeom>
-          <a:solidFill>
-            <a:schemeClr val="tx2"/>
-          </a:solidFill>
-          <a:ln>
-            <a:noFill/>
-          </a:ln>
-        </p:spPr>
-        <p:style>
-          <a:lnRef idx="2">
-            <a:schemeClr val="accent1">
-              <a:shade val="50000"/>
-            </a:schemeClr>
-          </a:lnRef>
-          <a:fillRef idx="1">
-            <a:schemeClr val="accent1"/>
-          </a:fillRef>
-          <a:effectRef idx="0">
-            <a:schemeClr val="accent1"/>
-          </a:effectRef>
-          <a:fontRef idx="minor">
-            <a:schemeClr val="lt1"/>
-          </a:fontRef>
-        </p:style>
-        <p:txBody>
-          <a:bodyPr/>
-          <a:lstStyle/>
-          <a:p>
-            <a:endParaRPr lang="en-US"/>
-          </a:p>
-        </p:txBody>
-      </p:sp>
-      <p:sp>
-        <p:nvSpPr>
-          <p:cNvPr id="3" name="Content Placeholder 2">
-            <a:extLst>
-              <a:ext uri="{FF2B5EF4-FFF2-40B4-BE49-F238E27FC236}">
-                <a16:creationId xmlns:a16="http://schemas.microsoft.com/office/drawing/2014/main" id="{70928F65-7DAF-C73F-DAF9-6ED1075A17EF}"/>
-              </a:ext>
-            </a:extLst>
-          </p:cNvPr>
-          <p:cNvSpPr>
-            <a:spLocks noGrp="1"/>
-          </p:cNvSpPr>
-          <p:nvPr>
-            <p:ph idx="1"/>
-          </p:nvPr>
-        </p:nvSpPr>
-        <p:spPr>
-          <a:xfrm>
-            <a:off x="1853721" y="3046264"/>
-            <a:ext cx="2479494" cy="1492132"/>
-          </a:xfrm>
-        </p:spPr>
-        <p:txBody>
-          <a:bodyPr>
-            <a:normAutofit/>
-          </a:bodyPr>
-          <a:lstStyle/>
-          <a:p>
-            <a:pPr marL="0" indent="0">
-              <a:buNone/>
-            </a:pPr>
-            <a:r>
-              <a:rPr lang="en-US" sz="4000" dirty="0">
-                <a:solidFill>
-                  <a:schemeClr val="tx1">
-                    <a:lumMod val="85000"/>
-                    <a:lumOff val="15000"/>
-                  </a:schemeClr>
-                </a:solidFill>
-              </a:rPr>
-              <a:t>Questions?</a:t>
-            </a:r>
-          </a:p>
-        </p:txBody>
-      </p:sp>
-      <p:sp>
-        <p:nvSpPr>
-          <p:cNvPr id="14" name="Freeform 6">
-            <a:extLst>
-              <a:ext uri="{FF2B5EF4-FFF2-40B4-BE49-F238E27FC236}">
-                <a16:creationId xmlns:a16="http://schemas.microsoft.com/office/drawing/2014/main" id="{20E344BB-E23E-4198-B2C7-8E752C6A956A}"/>
-              </a:ext>
-              <a:ext uri="{C183D7F6-B498-43B3-948B-1728B52AA6E4}">
-                <adec:decorative xmlns:adec="http://schemas.microsoft.com/office/drawing/2017/decorative" val="1"/>
-              </a:ext>
-            </a:extLst>
-          </p:cNvPr>
-          <p:cNvSpPr>
-            <a:spLocks noGrp="1" noRot="1" noChangeAspect="1" noMove="1" noResize="1" noEditPoints="1" noAdjustHandles="1" noChangeArrowheads="1" noChangeShapeType="1" noTextEdit="1"/>
-          </p:cNvSpPr>
-          <p:nvPr>
-            <p:extLst>
-              <p:ext uri="{386F3935-93C4-4BCD-93E2-E3B085C9AB24}">
-                <p16:designElem xmlns:p16="http://schemas.microsoft.com/office/powerpoint/2015/main" val="1"/>
-              </p:ext>
-            </p:extLst>
-          </p:nvPr>
-        </p:nvSpPr>
-        <p:spPr bwMode="auto">
-          <a:xfrm>
-            <a:off x="6390140" y="613446"/>
-            <a:ext cx="5235575" cy="5229225"/>
-          </a:xfrm>
-          <a:custGeom>
-            <a:avLst/>
-            <a:gdLst/>
-            <a:ahLst/>
-            <a:cxnLst/>
-            <a:rect l="0" t="0" r="r" b="b"/>
-            <a:pathLst>
-              <a:path w="3298" h="3294">
-                <a:moveTo>
-                  <a:pt x="1649" y="0"/>
-                </a:moveTo>
-                <a:lnTo>
-                  <a:pt x="1681" y="3"/>
-                </a:lnTo>
-                <a:lnTo>
-                  <a:pt x="1712" y="11"/>
-                </a:lnTo>
-                <a:lnTo>
-                  <a:pt x="1742" y="23"/>
-                </a:lnTo>
-                <a:lnTo>
-                  <a:pt x="1773" y="38"/>
-                </a:lnTo>
-                <a:lnTo>
-                  <a:pt x="1802" y="55"/>
-                </a:lnTo>
-                <a:lnTo>
-                  <a:pt x="1832" y="73"/>
-                </a:lnTo>
-                <a:lnTo>
-                  <a:pt x="1862" y="89"/>
-                </a:lnTo>
-                <a:lnTo>
-                  <a:pt x="1892" y="105"/>
-                </a:lnTo>
-                <a:lnTo>
-                  <a:pt x="1921" y="117"/>
-                </a:lnTo>
-                <a:lnTo>
-                  <a:pt x="1953" y="125"/>
-                </a:lnTo>
-                <a:lnTo>
-                  <a:pt x="1984" y="129"/>
-                </a:lnTo>
-                <a:lnTo>
-                  <a:pt x="2017" y="129"/>
-                </a:lnTo>
-                <a:lnTo>
-                  <a:pt x="2051" y="127"/>
-                </a:lnTo>
-                <a:lnTo>
-                  <a:pt x="2085" y="123"/>
-                </a:lnTo>
-                <a:lnTo>
-                  <a:pt x="2119" y="118"/>
-                </a:lnTo>
-                <a:lnTo>
-                  <a:pt x="2153" y="114"/>
-                </a:lnTo>
-                <a:lnTo>
-                  <a:pt x="2187" y="111"/>
-                </a:lnTo>
-                <a:lnTo>
-                  <a:pt x="2219" y="112"/>
-                </a:lnTo>
-                <a:lnTo>
-                  <a:pt x="2250" y="116"/>
-                </a:lnTo>
-                <a:lnTo>
-                  <a:pt x="2280" y="125"/>
-                </a:lnTo>
-                <a:lnTo>
-                  <a:pt x="2305" y="138"/>
-                </a:lnTo>
-                <a:lnTo>
-                  <a:pt x="2329" y="155"/>
-                </a:lnTo>
-                <a:lnTo>
-                  <a:pt x="2350" y="175"/>
-                </a:lnTo>
-                <a:lnTo>
-                  <a:pt x="2371" y="198"/>
-                </a:lnTo>
-                <a:lnTo>
-                  <a:pt x="2390" y="222"/>
-                </a:lnTo>
-                <a:lnTo>
-                  <a:pt x="2409" y="247"/>
-                </a:lnTo>
-                <a:lnTo>
-                  <a:pt x="2428" y="272"/>
-                </a:lnTo>
-                <a:lnTo>
-                  <a:pt x="2447" y="296"/>
-                </a:lnTo>
-                <a:lnTo>
-                  <a:pt x="2467" y="319"/>
-                </a:lnTo>
-                <a:lnTo>
-                  <a:pt x="2490" y="339"/>
-                </a:lnTo>
-                <a:lnTo>
-                  <a:pt x="2512" y="357"/>
-                </a:lnTo>
-                <a:lnTo>
-                  <a:pt x="2537" y="371"/>
-                </a:lnTo>
-                <a:lnTo>
-                  <a:pt x="2564" y="383"/>
-                </a:lnTo>
-                <a:lnTo>
-                  <a:pt x="2593" y="393"/>
-                </a:lnTo>
-                <a:lnTo>
-                  <a:pt x="2623" y="402"/>
-                </a:lnTo>
-                <a:lnTo>
-                  <a:pt x="2653" y="410"/>
-                </a:lnTo>
-                <a:lnTo>
-                  <a:pt x="2684" y="418"/>
-                </a:lnTo>
-                <a:lnTo>
-                  <a:pt x="2713" y="427"/>
-                </a:lnTo>
-                <a:lnTo>
-                  <a:pt x="2742" y="437"/>
-                </a:lnTo>
-                <a:lnTo>
-                  <a:pt x="2769" y="449"/>
-                </a:lnTo>
-                <a:lnTo>
-                  <a:pt x="2793" y="464"/>
-                </a:lnTo>
-                <a:lnTo>
-                  <a:pt x="2815" y="482"/>
-                </a:lnTo>
-                <a:lnTo>
-                  <a:pt x="2833" y="504"/>
-                </a:lnTo>
-                <a:lnTo>
-                  <a:pt x="2848" y="528"/>
-                </a:lnTo>
-                <a:lnTo>
-                  <a:pt x="2860" y="555"/>
-                </a:lnTo>
-                <a:lnTo>
-                  <a:pt x="2870" y="584"/>
-                </a:lnTo>
-                <a:lnTo>
-                  <a:pt x="2879" y="613"/>
-                </a:lnTo>
-                <a:lnTo>
-                  <a:pt x="2887" y="644"/>
-                </a:lnTo>
-                <a:lnTo>
-                  <a:pt x="2895" y="674"/>
-                </a:lnTo>
-                <a:lnTo>
-                  <a:pt x="2904" y="704"/>
-                </a:lnTo>
-                <a:lnTo>
-                  <a:pt x="2914" y="733"/>
-                </a:lnTo>
-                <a:lnTo>
-                  <a:pt x="2926" y="760"/>
-                </a:lnTo>
-                <a:lnTo>
-                  <a:pt x="2940" y="785"/>
-                </a:lnTo>
-                <a:lnTo>
-                  <a:pt x="2958" y="807"/>
-                </a:lnTo>
-                <a:lnTo>
-                  <a:pt x="2978" y="830"/>
-                </a:lnTo>
-                <a:lnTo>
-                  <a:pt x="3001" y="850"/>
-                </a:lnTo>
-                <a:lnTo>
-                  <a:pt x="3025" y="869"/>
-                </a:lnTo>
-                <a:lnTo>
-                  <a:pt x="3051" y="888"/>
-                </a:lnTo>
-                <a:lnTo>
-                  <a:pt x="3076" y="907"/>
-                </a:lnTo>
-                <a:lnTo>
-                  <a:pt x="3100" y="926"/>
-                </a:lnTo>
-                <a:lnTo>
-                  <a:pt x="3123" y="947"/>
-                </a:lnTo>
-                <a:lnTo>
-                  <a:pt x="3143" y="968"/>
-                </a:lnTo>
-                <a:lnTo>
-                  <a:pt x="3160" y="992"/>
-                </a:lnTo>
-                <a:lnTo>
-                  <a:pt x="3173" y="1017"/>
-                </a:lnTo>
-                <a:lnTo>
-                  <a:pt x="3182" y="1047"/>
-                </a:lnTo>
-                <a:lnTo>
-                  <a:pt x="3186" y="1078"/>
-                </a:lnTo>
-                <a:lnTo>
-                  <a:pt x="3187" y="1110"/>
-                </a:lnTo>
-                <a:lnTo>
-                  <a:pt x="3184" y="1144"/>
-                </a:lnTo>
-                <a:lnTo>
-                  <a:pt x="3180" y="1178"/>
-                </a:lnTo>
-                <a:lnTo>
-                  <a:pt x="3175" y="1212"/>
-                </a:lnTo>
-                <a:lnTo>
-                  <a:pt x="3171" y="1246"/>
-                </a:lnTo>
-                <a:lnTo>
-                  <a:pt x="3169" y="1280"/>
-                </a:lnTo>
-                <a:lnTo>
-                  <a:pt x="3169" y="1313"/>
-                </a:lnTo>
-                <a:lnTo>
-                  <a:pt x="3173" y="1344"/>
-                </a:lnTo>
-                <a:lnTo>
-                  <a:pt x="3181" y="1375"/>
-                </a:lnTo>
-                <a:lnTo>
-                  <a:pt x="3193" y="1404"/>
-                </a:lnTo>
-                <a:lnTo>
-                  <a:pt x="3209" y="1434"/>
-                </a:lnTo>
-                <a:lnTo>
-                  <a:pt x="3225" y="1464"/>
-                </a:lnTo>
-                <a:lnTo>
-                  <a:pt x="3243" y="1494"/>
-                </a:lnTo>
-                <a:lnTo>
-                  <a:pt x="3260" y="1523"/>
-                </a:lnTo>
-                <a:lnTo>
-                  <a:pt x="3275" y="1554"/>
-                </a:lnTo>
-                <a:lnTo>
-                  <a:pt x="3287" y="1584"/>
-                </a:lnTo>
-                <a:lnTo>
-                  <a:pt x="3295" y="1615"/>
-                </a:lnTo>
-                <a:lnTo>
-                  <a:pt x="3298" y="1647"/>
-                </a:lnTo>
-                <a:lnTo>
-                  <a:pt x="3295" y="1679"/>
-                </a:lnTo>
-                <a:lnTo>
-                  <a:pt x="3287" y="1710"/>
-                </a:lnTo>
-                <a:lnTo>
-                  <a:pt x="3275" y="1740"/>
-                </a:lnTo>
-                <a:lnTo>
-                  <a:pt x="3260" y="1771"/>
-                </a:lnTo>
-                <a:lnTo>
-                  <a:pt x="3243" y="1800"/>
-                </a:lnTo>
-                <a:lnTo>
-                  <a:pt x="3225" y="1830"/>
-                </a:lnTo>
-                <a:lnTo>
-                  <a:pt x="3209" y="1860"/>
-                </a:lnTo>
-                <a:lnTo>
-                  <a:pt x="3193" y="1890"/>
-                </a:lnTo>
-                <a:lnTo>
-                  <a:pt x="3181" y="1919"/>
-                </a:lnTo>
-                <a:lnTo>
-                  <a:pt x="3173" y="1950"/>
-                </a:lnTo>
-                <a:lnTo>
-                  <a:pt x="3169" y="1981"/>
-                </a:lnTo>
-                <a:lnTo>
-                  <a:pt x="3169" y="2014"/>
-                </a:lnTo>
-                <a:lnTo>
-                  <a:pt x="3171" y="2048"/>
-                </a:lnTo>
-                <a:lnTo>
-                  <a:pt x="3175" y="2082"/>
-                </a:lnTo>
-                <a:lnTo>
-                  <a:pt x="3180" y="2116"/>
-                </a:lnTo>
-                <a:lnTo>
-                  <a:pt x="3184" y="2150"/>
-                </a:lnTo>
-                <a:lnTo>
-                  <a:pt x="3187" y="2184"/>
-                </a:lnTo>
-                <a:lnTo>
-                  <a:pt x="3186" y="2216"/>
-                </a:lnTo>
-                <a:lnTo>
-                  <a:pt x="3182" y="2247"/>
-                </a:lnTo>
-                <a:lnTo>
-                  <a:pt x="3173" y="2277"/>
-                </a:lnTo>
-                <a:lnTo>
-                  <a:pt x="3160" y="2302"/>
-                </a:lnTo>
-                <a:lnTo>
-                  <a:pt x="3143" y="2326"/>
-                </a:lnTo>
-                <a:lnTo>
-                  <a:pt x="3123" y="2347"/>
-                </a:lnTo>
-                <a:lnTo>
-                  <a:pt x="3100" y="2368"/>
-                </a:lnTo>
-                <a:lnTo>
-                  <a:pt x="3076" y="2387"/>
-                </a:lnTo>
-                <a:lnTo>
-                  <a:pt x="3051" y="2406"/>
-                </a:lnTo>
-                <a:lnTo>
-                  <a:pt x="3025" y="2425"/>
-                </a:lnTo>
-                <a:lnTo>
-                  <a:pt x="3001" y="2444"/>
-                </a:lnTo>
-                <a:lnTo>
-                  <a:pt x="2978" y="2464"/>
-                </a:lnTo>
-                <a:lnTo>
-                  <a:pt x="2958" y="2487"/>
-                </a:lnTo>
-                <a:lnTo>
-                  <a:pt x="2940" y="2509"/>
-                </a:lnTo>
-                <a:lnTo>
-                  <a:pt x="2926" y="2534"/>
-                </a:lnTo>
-                <a:lnTo>
-                  <a:pt x="2914" y="2561"/>
-                </a:lnTo>
-                <a:lnTo>
-                  <a:pt x="2904" y="2590"/>
-                </a:lnTo>
-                <a:lnTo>
-                  <a:pt x="2895" y="2620"/>
-                </a:lnTo>
-                <a:lnTo>
-                  <a:pt x="2887" y="2650"/>
-                </a:lnTo>
-                <a:lnTo>
-                  <a:pt x="2879" y="2681"/>
-                </a:lnTo>
-                <a:lnTo>
-                  <a:pt x="2870" y="2710"/>
-                </a:lnTo>
-                <a:lnTo>
-                  <a:pt x="2860" y="2739"/>
-                </a:lnTo>
-                <a:lnTo>
-                  <a:pt x="2848" y="2766"/>
-                </a:lnTo>
-                <a:lnTo>
-                  <a:pt x="2833" y="2790"/>
-                </a:lnTo>
-                <a:lnTo>
-                  <a:pt x="2815" y="2812"/>
-                </a:lnTo>
-                <a:lnTo>
-                  <a:pt x="2793" y="2830"/>
-                </a:lnTo>
-                <a:lnTo>
-                  <a:pt x="2769" y="2845"/>
-                </a:lnTo>
-                <a:lnTo>
-                  <a:pt x="2742" y="2857"/>
-                </a:lnTo>
-                <a:lnTo>
-                  <a:pt x="2713" y="2867"/>
-                </a:lnTo>
-                <a:lnTo>
-                  <a:pt x="2684" y="2876"/>
-                </a:lnTo>
-                <a:lnTo>
-                  <a:pt x="2653" y="2884"/>
-                </a:lnTo>
-                <a:lnTo>
-                  <a:pt x="2623" y="2892"/>
-                </a:lnTo>
-                <a:lnTo>
-                  <a:pt x="2593" y="2901"/>
-                </a:lnTo>
-                <a:lnTo>
-                  <a:pt x="2564" y="2911"/>
-                </a:lnTo>
-                <a:lnTo>
-                  <a:pt x="2537" y="2923"/>
-                </a:lnTo>
-                <a:lnTo>
-                  <a:pt x="2512" y="2937"/>
-                </a:lnTo>
-                <a:lnTo>
-                  <a:pt x="2490" y="2955"/>
-                </a:lnTo>
-                <a:lnTo>
-                  <a:pt x="2467" y="2975"/>
-                </a:lnTo>
-                <a:lnTo>
-                  <a:pt x="2447" y="2998"/>
-                </a:lnTo>
-                <a:lnTo>
-                  <a:pt x="2428" y="3022"/>
-                </a:lnTo>
-                <a:lnTo>
-                  <a:pt x="2409" y="3047"/>
-                </a:lnTo>
-                <a:lnTo>
-                  <a:pt x="2390" y="3072"/>
-                </a:lnTo>
-                <a:lnTo>
-                  <a:pt x="2371" y="3096"/>
-                </a:lnTo>
-                <a:lnTo>
-                  <a:pt x="2350" y="3119"/>
-                </a:lnTo>
-                <a:lnTo>
-                  <a:pt x="2329" y="3139"/>
-                </a:lnTo>
-                <a:lnTo>
-                  <a:pt x="2305" y="3156"/>
-                </a:lnTo>
-                <a:lnTo>
-                  <a:pt x="2280" y="3169"/>
-                </a:lnTo>
-                <a:lnTo>
-                  <a:pt x="2250" y="3178"/>
-                </a:lnTo>
-                <a:lnTo>
-                  <a:pt x="2219" y="3182"/>
-                </a:lnTo>
-                <a:lnTo>
-                  <a:pt x="2187" y="3183"/>
-                </a:lnTo>
-                <a:lnTo>
-                  <a:pt x="2153" y="3180"/>
-                </a:lnTo>
-                <a:lnTo>
-                  <a:pt x="2119" y="3176"/>
-                </a:lnTo>
-                <a:lnTo>
-                  <a:pt x="2085" y="3171"/>
-                </a:lnTo>
-                <a:lnTo>
-                  <a:pt x="2051" y="3167"/>
-                </a:lnTo>
-                <a:lnTo>
-                  <a:pt x="2017" y="3165"/>
-                </a:lnTo>
-                <a:lnTo>
-                  <a:pt x="1984" y="3165"/>
-                </a:lnTo>
-                <a:lnTo>
-                  <a:pt x="1953" y="3169"/>
-                </a:lnTo>
-                <a:lnTo>
-                  <a:pt x="1921" y="3177"/>
-                </a:lnTo>
-                <a:lnTo>
-                  <a:pt x="1892" y="3189"/>
-                </a:lnTo>
-                <a:lnTo>
-                  <a:pt x="1862" y="3205"/>
-                </a:lnTo>
-                <a:lnTo>
-                  <a:pt x="1832" y="3221"/>
-                </a:lnTo>
-                <a:lnTo>
-                  <a:pt x="1802" y="3239"/>
-                </a:lnTo>
-                <a:lnTo>
-                  <a:pt x="1773" y="3256"/>
-                </a:lnTo>
-                <a:lnTo>
-                  <a:pt x="1742" y="3271"/>
-                </a:lnTo>
-                <a:lnTo>
-                  <a:pt x="1712" y="3283"/>
-                </a:lnTo>
-                <a:lnTo>
-                  <a:pt x="1681" y="3291"/>
-                </a:lnTo>
-                <a:lnTo>
-                  <a:pt x="1649" y="3294"/>
-                </a:lnTo>
-                <a:lnTo>
-                  <a:pt x="1617" y="3291"/>
-                </a:lnTo>
-                <a:lnTo>
-                  <a:pt x="1586" y="3283"/>
-                </a:lnTo>
-                <a:lnTo>
-                  <a:pt x="1556" y="3271"/>
-                </a:lnTo>
-                <a:lnTo>
-                  <a:pt x="1525" y="3256"/>
-                </a:lnTo>
-                <a:lnTo>
-                  <a:pt x="1496" y="3239"/>
-                </a:lnTo>
-                <a:lnTo>
-                  <a:pt x="1466" y="3221"/>
-                </a:lnTo>
-                <a:lnTo>
-                  <a:pt x="1436" y="3205"/>
-                </a:lnTo>
-                <a:lnTo>
-                  <a:pt x="1406" y="3189"/>
-                </a:lnTo>
-                <a:lnTo>
-                  <a:pt x="1376" y="3177"/>
-                </a:lnTo>
-                <a:lnTo>
-                  <a:pt x="1345" y="3169"/>
-                </a:lnTo>
-                <a:lnTo>
-                  <a:pt x="1314" y="3165"/>
-                </a:lnTo>
-                <a:lnTo>
-                  <a:pt x="1281" y="3165"/>
-                </a:lnTo>
-                <a:lnTo>
-                  <a:pt x="1247" y="3167"/>
-                </a:lnTo>
-                <a:lnTo>
-                  <a:pt x="1213" y="3171"/>
-                </a:lnTo>
-                <a:lnTo>
-                  <a:pt x="1179" y="3176"/>
-                </a:lnTo>
-                <a:lnTo>
-                  <a:pt x="1145" y="3180"/>
-                </a:lnTo>
-                <a:lnTo>
-                  <a:pt x="1111" y="3183"/>
-                </a:lnTo>
-                <a:lnTo>
-                  <a:pt x="1079" y="3182"/>
-                </a:lnTo>
-                <a:lnTo>
-                  <a:pt x="1048" y="3178"/>
-                </a:lnTo>
-                <a:lnTo>
-                  <a:pt x="1018" y="3169"/>
-                </a:lnTo>
-                <a:lnTo>
-                  <a:pt x="993" y="3156"/>
-                </a:lnTo>
-                <a:lnTo>
-                  <a:pt x="969" y="3139"/>
-                </a:lnTo>
-                <a:lnTo>
-                  <a:pt x="948" y="3119"/>
-                </a:lnTo>
-                <a:lnTo>
-                  <a:pt x="927" y="3096"/>
-                </a:lnTo>
-                <a:lnTo>
-                  <a:pt x="908" y="3072"/>
-                </a:lnTo>
-                <a:lnTo>
-                  <a:pt x="889" y="3047"/>
-                </a:lnTo>
-                <a:lnTo>
-                  <a:pt x="870" y="3022"/>
-                </a:lnTo>
-                <a:lnTo>
-                  <a:pt x="851" y="2998"/>
-                </a:lnTo>
-                <a:lnTo>
-                  <a:pt x="831" y="2975"/>
-                </a:lnTo>
-                <a:lnTo>
-                  <a:pt x="808" y="2955"/>
-                </a:lnTo>
-                <a:lnTo>
-                  <a:pt x="786" y="2937"/>
-                </a:lnTo>
-                <a:lnTo>
-                  <a:pt x="761" y="2923"/>
-                </a:lnTo>
-                <a:lnTo>
-                  <a:pt x="734" y="2911"/>
-                </a:lnTo>
-                <a:lnTo>
-                  <a:pt x="705" y="2901"/>
-                </a:lnTo>
-                <a:lnTo>
-                  <a:pt x="675" y="2892"/>
-                </a:lnTo>
-                <a:lnTo>
-                  <a:pt x="645" y="2884"/>
-                </a:lnTo>
-                <a:lnTo>
-                  <a:pt x="614" y="2876"/>
-                </a:lnTo>
-                <a:lnTo>
-                  <a:pt x="585" y="2867"/>
-                </a:lnTo>
-                <a:lnTo>
-                  <a:pt x="556" y="2857"/>
-                </a:lnTo>
-                <a:lnTo>
-                  <a:pt x="529" y="2845"/>
-                </a:lnTo>
-                <a:lnTo>
-                  <a:pt x="505" y="2830"/>
-                </a:lnTo>
-                <a:lnTo>
-                  <a:pt x="483" y="2812"/>
-                </a:lnTo>
-                <a:lnTo>
-                  <a:pt x="465" y="2790"/>
-                </a:lnTo>
-                <a:lnTo>
-                  <a:pt x="450" y="2766"/>
-                </a:lnTo>
-                <a:lnTo>
-                  <a:pt x="438" y="2739"/>
-                </a:lnTo>
-                <a:lnTo>
-                  <a:pt x="428" y="2710"/>
-                </a:lnTo>
-                <a:lnTo>
-                  <a:pt x="419" y="2681"/>
-                </a:lnTo>
-                <a:lnTo>
-                  <a:pt x="411" y="2650"/>
-                </a:lnTo>
-                <a:lnTo>
-                  <a:pt x="403" y="2620"/>
-                </a:lnTo>
-                <a:lnTo>
-                  <a:pt x="394" y="2590"/>
-                </a:lnTo>
-                <a:lnTo>
-                  <a:pt x="384" y="2561"/>
-                </a:lnTo>
-                <a:lnTo>
-                  <a:pt x="372" y="2534"/>
-                </a:lnTo>
-                <a:lnTo>
-                  <a:pt x="358" y="2509"/>
-                </a:lnTo>
-                <a:lnTo>
-                  <a:pt x="340" y="2487"/>
-                </a:lnTo>
-                <a:lnTo>
-                  <a:pt x="320" y="2464"/>
-                </a:lnTo>
-                <a:lnTo>
-                  <a:pt x="297" y="2444"/>
-                </a:lnTo>
-                <a:lnTo>
-                  <a:pt x="272" y="2425"/>
-                </a:lnTo>
-                <a:lnTo>
-                  <a:pt x="247" y="2406"/>
-                </a:lnTo>
-                <a:lnTo>
-                  <a:pt x="222" y="2387"/>
-                </a:lnTo>
-                <a:lnTo>
-                  <a:pt x="198" y="2368"/>
-                </a:lnTo>
-                <a:lnTo>
-                  <a:pt x="175" y="2347"/>
-                </a:lnTo>
-                <a:lnTo>
-                  <a:pt x="155" y="2326"/>
-                </a:lnTo>
-                <a:lnTo>
-                  <a:pt x="138" y="2302"/>
-                </a:lnTo>
-                <a:lnTo>
-                  <a:pt x="125" y="2277"/>
-                </a:lnTo>
-                <a:lnTo>
-                  <a:pt x="116" y="2247"/>
-                </a:lnTo>
-                <a:lnTo>
-                  <a:pt x="112" y="2216"/>
-                </a:lnTo>
-                <a:lnTo>
-                  <a:pt x="111" y="2184"/>
-                </a:lnTo>
-                <a:lnTo>
-                  <a:pt x="114" y="2150"/>
-                </a:lnTo>
-                <a:lnTo>
-                  <a:pt x="118" y="2116"/>
-                </a:lnTo>
-                <a:lnTo>
-                  <a:pt x="123" y="2082"/>
-                </a:lnTo>
-                <a:lnTo>
-                  <a:pt x="127" y="2048"/>
-                </a:lnTo>
-                <a:lnTo>
-                  <a:pt x="129" y="2014"/>
-                </a:lnTo>
-                <a:lnTo>
-                  <a:pt x="129" y="1981"/>
-                </a:lnTo>
-                <a:lnTo>
-                  <a:pt x="125" y="1950"/>
-                </a:lnTo>
-                <a:lnTo>
-                  <a:pt x="117" y="1919"/>
-                </a:lnTo>
-                <a:lnTo>
-                  <a:pt x="105" y="1890"/>
-                </a:lnTo>
-                <a:lnTo>
-                  <a:pt x="90" y="1860"/>
-                </a:lnTo>
-                <a:lnTo>
-                  <a:pt x="73" y="1830"/>
-                </a:lnTo>
-                <a:lnTo>
-                  <a:pt x="55" y="1800"/>
-                </a:lnTo>
-                <a:lnTo>
-                  <a:pt x="38" y="1771"/>
-                </a:lnTo>
-                <a:lnTo>
-                  <a:pt x="23" y="1740"/>
-                </a:lnTo>
-                <a:lnTo>
-                  <a:pt x="11" y="1710"/>
-                </a:lnTo>
-                <a:lnTo>
-                  <a:pt x="3" y="1679"/>
-                </a:lnTo>
-                <a:lnTo>
-                  <a:pt x="0" y="1647"/>
-                </a:lnTo>
-                <a:lnTo>
-                  <a:pt x="3" y="1615"/>
-                </a:lnTo>
-                <a:lnTo>
-                  <a:pt x="11" y="1584"/>
-                </a:lnTo>
-                <a:lnTo>
-                  <a:pt x="23" y="1554"/>
-                </a:lnTo>
-                <a:lnTo>
-                  <a:pt x="38" y="1523"/>
-                </a:lnTo>
-                <a:lnTo>
-                  <a:pt x="55" y="1494"/>
-                </a:lnTo>
-                <a:lnTo>
-                  <a:pt x="73" y="1464"/>
-                </a:lnTo>
-                <a:lnTo>
-                  <a:pt x="90" y="1434"/>
-                </a:lnTo>
-                <a:lnTo>
-                  <a:pt x="105" y="1404"/>
-                </a:lnTo>
-                <a:lnTo>
-                  <a:pt x="117" y="1375"/>
-                </a:lnTo>
-                <a:lnTo>
-                  <a:pt x="125" y="1344"/>
-                </a:lnTo>
-                <a:lnTo>
-                  <a:pt x="129" y="1313"/>
-                </a:lnTo>
-                <a:lnTo>
-                  <a:pt x="129" y="1280"/>
-                </a:lnTo>
-                <a:lnTo>
-                  <a:pt x="127" y="1246"/>
-                </a:lnTo>
-                <a:lnTo>
-                  <a:pt x="123" y="1212"/>
-                </a:lnTo>
-                <a:lnTo>
-                  <a:pt x="118" y="1178"/>
-                </a:lnTo>
-                <a:lnTo>
-                  <a:pt x="114" y="1144"/>
-                </a:lnTo>
-                <a:lnTo>
-                  <a:pt x="111" y="1110"/>
-                </a:lnTo>
-                <a:lnTo>
-                  <a:pt x="112" y="1078"/>
-                </a:lnTo>
-                <a:lnTo>
-                  <a:pt x="116" y="1047"/>
-                </a:lnTo>
-                <a:lnTo>
-                  <a:pt x="125" y="1017"/>
-                </a:lnTo>
-                <a:lnTo>
-                  <a:pt x="138" y="992"/>
-                </a:lnTo>
-                <a:lnTo>
-                  <a:pt x="155" y="968"/>
-                </a:lnTo>
-                <a:lnTo>
-                  <a:pt x="175" y="947"/>
-                </a:lnTo>
-                <a:lnTo>
-                  <a:pt x="198" y="926"/>
-                </a:lnTo>
-                <a:lnTo>
-                  <a:pt x="222" y="907"/>
-                </a:lnTo>
-                <a:lnTo>
-                  <a:pt x="247" y="888"/>
-                </a:lnTo>
-                <a:lnTo>
-                  <a:pt x="272" y="869"/>
-                </a:lnTo>
-                <a:lnTo>
-                  <a:pt x="297" y="850"/>
-                </a:lnTo>
-                <a:lnTo>
-                  <a:pt x="320" y="830"/>
-                </a:lnTo>
-                <a:lnTo>
-                  <a:pt x="340" y="807"/>
-                </a:lnTo>
-                <a:lnTo>
-                  <a:pt x="358" y="785"/>
-                </a:lnTo>
-                <a:lnTo>
-                  <a:pt x="372" y="760"/>
-                </a:lnTo>
-                <a:lnTo>
-                  <a:pt x="384" y="733"/>
-                </a:lnTo>
-                <a:lnTo>
-                  <a:pt x="394" y="704"/>
-                </a:lnTo>
-                <a:lnTo>
-                  <a:pt x="403" y="674"/>
-                </a:lnTo>
-                <a:lnTo>
-                  <a:pt x="411" y="644"/>
-                </a:lnTo>
-                <a:lnTo>
-                  <a:pt x="419" y="613"/>
-                </a:lnTo>
-                <a:lnTo>
-                  <a:pt x="428" y="584"/>
-                </a:lnTo>
-                <a:lnTo>
-                  <a:pt x="438" y="555"/>
-                </a:lnTo>
-                <a:lnTo>
-                  <a:pt x="450" y="528"/>
-                </a:lnTo>
-                <a:lnTo>
-                  <a:pt x="465" y="504"/>
-                </a:lnTo>
-                <a:lnTo>
-                  <a:pt x="483" y="482"/>
-                </a:lnTo>
-                <a:lnTo>
-                  <a:pt x="505" y="464"/>
-                </a:lnTo>
-                <a:lnTo>
-                  <a:pt x="529" y="449"/>
-                </a:lnTo>
-                <a:lnTo>
-                  <a:pt x="556" y="437"/>
-                </a:lnTo>
-                <a:lnTo>
-                  <a:pt x="585" y="427"/>
-                </a:lnTo>
-                <a:lnTo>
-                  <a:pt x="614" y="418"/>
-                </a:lnTo>
-                <a:lnTo>
-                  <a:pt x="645" y="410"/>
-                </a:lnTo>
-                <a:lnTo>
-                  <a:pt x="675" y="402"/>
-                </a:lnTo>
-                <a:lnTo>
-                  <a:pt x="705" y="393"/>
-                </a:lnTo>
-                <a:lnTo>
-                  <a:pt x="734" y="383"/>
-                </a:lnTo>
-                <a:lnTo>
-                  <a:pt x="761" y="371"/>
-                </a:lnTo>
-                <a:lnTo>
-                  <a:pt x="786" y="357"/>
-                </a:lnTo>
-                <a:lnTo>
-                  <a:pt x="808" y="339"/>
-                </a:lnTo>
-                <a:lnTo>
-                  <a:pt x="831" y="319"/>
-                </a:lnTo>
-                <a:lnTo>
-                  <a:pt x="851" y="296"/>
-                </a:lnTo>
-                <a:lnTo>
-                  <a:pt x="870" y="272"/>
-                </a:lnTo>
-                <a:lnTo>
-                  <a:pt x="889" y="247"/>
-                </a:lnTo>
-                <a:lnTo>
-                  <a:pt x="908" y="222"/>
-                </a:lnTo>
-                <a:lnTo>
-                  <a:pt x="927" y="198"/>
-                </a:lnTo>
-                <a:lnTo>
-                  <a:pt x="948" y="175"/>
-                </a:lnTo>
-                <a:lnTo>
-                  <a:pt x="969" y="155"/>
-                </a:lnTo>
-                <a:lnTo>
-                  <a:pt x="993" y="138"/>
-                </a:lnTo>
-                <a:lnTo>
-                  <a:pt x="1018" y="125"/>
-                </a:lnTo>
-                <a:lnTo>
-                  <a:pt x="1048" y="116"/>
-                </a:lnTo>
-                <a:lnTo>
-                  <a:pt x="1079" y="112"/>
-                </a:lnTo>
-                <a:lnTo>
-                  <a:pt x="1111" y="111"/>
-                </a:lnTo>
-                <a:lnTo>
-                  <a:pt x="1145" y="114"/>
-                </a:lnTo>
-                <a:lnTo>
-                  <a:pt x="1179" y="118"/>
-                </a:lnTo>
-                <a:lnTo>
-                  <a:pt x="1213" y="123"/>
-                </a:lnTo>
-                <a:lnTo>
-                  <a:pt x="1247" y="127"/>
-                </a:lnTo>
-                <a:lnTo>
-                  <a:pt x="1281" y="129"/>
-                </a:lnTo>
-                <a:lnTo>
-                  <a:pt x="1314" y="129"/>
-                </a:lnTo>
-                <a:lnTo>
-                  <a:pt x="1345" y="125"/>
-                </a:lnTo>
-                <a:lnTo>
-                  <a:pt x="1376" y="117"/>
-                </a:lnTo>
-                <a:lnTo>
-                  <a:pt x="1406" y="105"/>
-                </a:lnTo>
-                <a:lnTo>
-                  <a:pt x="1436" y="89"/>
-                </a:lnTo>
-                <a:lnTo>
-                  <a:pt x="1466" y="73"/>
-                </a:lnTo>
-                <a:lnTo>
-                  <a:pt x="1496" y="55"/>
-                </a:lnTo>
-                <a:lnTo>
-                  <a:pt x="1525" y="38"/>
-                </a:lnTo>
-                <a:lnTo>
-                  <a:pt x="1556" y="23"/>
-                </a:lnTo>
-                <a:lnTo>
-                  <a:pt x="1586" y="11"/>
-                </a:lnTo>
-                <a:lnTo>
-                  <a:pt x="1617" y="3"/>
-                </a:lnTo>
-                <a:lnTo>
-                  <a:pt x="1649" y="0"/>
-                </a:lnTo>
-                <a:close/>
-              </a:path>
-            </a:pathLst>
-          </a:custGeom>
-          <a:solidFill>
-            <a:schemeClr val="bg2"/>
-          </a:solidFill>
-          <a:ln w="0">
-            <a:noFill/>
-            <a:prstDash val="solid"/>
-            <a:round/>
-            <a:headEnd/>
-            <a:tailEnd/>
-          </a:ln>
-        </p:spPr>
-        <p:txBody>
-          <a:bodyPr/>
-          <a:lstStyle/>
-          <a:p>
-            <a:endParaRPr lang="en-US"/>
-          </a:p>
-        </p:txBody>
-      </p:sp>
-      <p:pic>
-        <p:nvPicPr>
-          <p:cNvPr id="7" name="Graphic 6" descr="Smiling Face with No Fill">
-            <a:extLst>
-              <a:ext uri="{FF2B5EF4-FFF2-40B4-BE49-F238E27FC236}">
-                <a16:creationId xmlns:a16="http://schemas.microsoft.com/office/drawing/2014/main" id="{4A81DFDC-FC54-E891-BF76-84FE670AFDE6}"/>
-              </a:ext>
-            </a:extLst>
-          </p:cNvPr>
-          <p:cNvPicPr>
-            <a:picLocks noChangeAspect="1"/>
-          </p:cNvPicPr>
-          <p:nvPr/>
-        </p:nvPicPr>
-        <p:blipFill>
-          <a:blip r:embed="rId2">
-            <a:extLst>
-              <a:ext uri="{28A0092B-C50C-407E-A947-70E740481C1C}">
-                <a14:useLocalDpi xmlns:a14="http://schemas.microsoft.com/office/drawing/2010/main" val="0"/>
-              </a:ext>
-              <a:ext uri="{96DAC541-7B7A-43D3-8B79-37D633B846F1}">
-                <asvg:svgBlip xmlns:asvg="http://schemas.microsoft.com/office/drawing/2016/SVG/main" r:embed="rId3"/>
-              </a:ext>
-            </a:extLst>
-          </a:blip>
-          <a:stretch>
-            <a:fillRect/>
-          </a:stretch>
-        </p:blipFill>
-        <p:spPr>
-          <a:xfrm>
-            <a:off x="7399261" y="1619392"/>
-            <a:ext cx="3217333" cy="3217333"/>
-          </a:xfrm>
-          <a:prstGeom prst="rect">
-            <a:avLst/>
-          </a:prstGeom>
-        </p:spPr>
-      </p:pic>
-    </p:spTree>
-    <p:extLst>
-      <p:ext uri="{BB962C8B-B14F-4D97-AF65-F5344CB8AC3E}">
-        <p14:creationId xmlns:p14="http://schemas.microsoft.com/office/powerpoint/2010/main" val="217509636"/>
-      </p:ext>
-    </p:extLst>
-  </p:cSld>
-  <p:clrMapOvr>
-    <a:masterClrMapping/>
-  </p:clrMapOvr>
-</p:sld>
-</file>
-
 <file path=ppt/theme/theme1.xml><?xml version="1.0" encoding="utf-8"?>
 <a:theme xmlns:a="http://schemas.openxmlformats.org/drawingml/2006/main" name="Badge">
   <a:themeElements>
